--- a/Présentation étude de faille CVE 2017-12635 ET 12636 ébauche.pptx
+++ b/Présentation étude de faille CVE 2017-12635 ET 12636 ébauche.pptx
@@ -1186,6 +1186,9 @@
           </a:pPr>
           <a:r>
             <a:rPr lang="fr" dirty="0">
+              <a:solidFill>
+                <a:srgbClr val="FF0000"/>
+              </a:solidFill>
               <a:latin typeface="Tahoma" panose="020B0604030504040204" pitchFamily="34" charset="0"/>
               <a:ea typeface="Tahoma" panose="020B0604030504040204" pitchFamily="34" charset="0"/>
               <a:cs typeface="Tahoma" panose="020B0604030504040204" pitchFamily="34" charset="0"/>
@@ -1371,10 +1374,24 @@
     <dgm:pt modelId="{CC0ECCDE-9924-44A7-8A05-242AA0EE907A}" type="parTrans" cxnId="{2E6E939C-F551-429E-AFC9-44FA149B0E02}">
       <dgm:prSet/>
       <dgm:spPr/>
+      <dgm:t>
+        <a:bodyPr/>
+        <a:lstStyle/>
+        <a:p>
+          <a:endParaRPr lang="fr-FR"/>
+        </a:p>
+      </dgm:t>
     </dgm:pt>
     <dgm:pt modelId="{66554A06-F3AB-48D3-9CAA-A4BB89C26633}" type="sibTrans" cxnId="{2E6E939C-F551-429E-AFC9-44FA149B0E02}">
       <dgm:prSet/>
       <dgm:spPr/>
+      <dgm:t>
+        <a:bodyPr/>
+        <a:lstStyle/>
+        <a:p>
+          <a:endParaRPr lang="fr-FR"/>
+        </a:p>
+      </dgm:t>
     </dgm:pt>
     <dgm:pt modelId="{B8050619-0721-4277-8798-0ED584E42F7A}">
       <dgm:prSet phldrT="[Text]"/>
@@ -1398,10 +1415,24 @@
     <dgm:pt modelId="{A040684F-086F-4D00-90E1-DB7036AFE434}" type="parTrans" cxnId="{84010C99-1743-4E7B-B092-2A1DFCE2C5FD}">
       <dgm:prSet/>
       <dgm:spPr/>
+      <dgm:t>
+        <a:bodyPr/>
+        <a:lstStyle/>
+        <a:p>
+          <a:endParaRPr lang="fr-FR"/>
+        </a:p>
+      </dgm:t>
     </dgm:pt>
     <dgm:pt modelId="{18654A20-C8FD-442B-A9D2-C49082EB448E}" type="sibTrans" cxnId="{84010C99-1743-4E7B-B092-2A1DFCE2C5FD}">
       <dgm:prSet/>
       <dgm:spPr/>
+      <dgm:t>
+        <a:bodyPr/>
+        <a:lstStyle/>
+        <a:p>
+          <a:endParaRPr lang="fr-FR"/>
+        </a:p>
+      </dgm:t>
     </dgm:pt>
     <dgm:pt modelId="{C9246183-6CCC-47BC-8188-6F20D97AA61D}">
       <dgm:prSet phldrT="[Text]"/>
@@ -1425,10 +1456,24 @@
     <dgm:pt modelId="{768DB6B6-0FC0-4978-A79C-42B017BE4B61}" type="parTrans" cxnId="{C17BCDB2-DD87-4F8A-A14D-9754A40D2353}">
       <dgm:prSet/>
       <dgm:spPr/>
+      <dgm:t>
+        <a:bodyPr/>
+        <a:lstStyle/>
+        <a:p>
+          <a:endParaRPr lang="fr-FR"/>
+        </a:p>
+      </dgm:t>
     </dgm:pt>
     <dgm:pt modelId="{ABE7A30B-A330-4A53-A4E6-AF5897DF0A9C}" type="sibTrans" cxnId="{C17BCDB2-DD87-4F8A-A14D-9754A40D2353}">
       <dgm:prSet/>
       <dgm:spPr/>
+      <dgm:t>
+        <a:bodyPr/>
+        <a:lstStyle/>
+        <a:p>
+          <a:endParaRPr lang="fr-FR"/>
+        </a:p>
+      </dgm:t>
     </dgm:pt>
     <dgm:pt modelId="{3E671901-A24F-4E84-B06A-C59B17BB4F0B}">
       <dgm:prSet phldrT="[Text]"/>
@@ -1452,10 +1497,24 @@
     <dgm:pt modelId="{A814CB85-B75F-45D6-BD5C-04E8FFDAFB59}" type="parTrans" cxnId="{9419B267-BA60-404C-B358-1537F60759D2}">
       <dgm:prSet/>
       <dgm:spPr/>
+      <dgm:t>
+        <a:bodyPr/>
+        <a:lstStyle/>
+        <a:p>
+          <a:endParaRPr lang="fr-FR"/>
+        </a:p>
+      </dgm:t>
     </dgm:pt>
     <dgm:pt modelId="{31755938-3B00-4951-A708-678C5D7E7C10}" type="sibTrans" cxnId="{9419B267-BA60-404C-B358-1537F60759D2}">
       <dgm:prSet/>
       <dgm:spPr/>
+      <dgm:t>
+        <a:bodyPr/>
+        <a:lstStyle/>
+        <a:p>
+          <a:endParaRPr lang="fr-FR"/>
+        </a:p>
+      </dgm:t>
     </dgm:pt>
     <dgm:pt modelId="{6808DFF4-DA4E-4C2F-B54C-F4C034688FF8}">
       <dgm:prSet phldrT="[Text]"/>
@@ -1479,10 +1538,24 @@
     <dgm:pt modelId="{768C87B0-D63D-4CCF-B6FE-7DC86D5205E8}" type="parTrans" cxnId="{D9588A15-8621-4CAB-A3ED-30C924ADCCE7}">
       <dgm:prSet/>
       <dgm:spPr/>
+      <dgm:t>
+        <a:bodyPr/>
+        <a:lstStyle/>
+        <a:p>
+          <a:endParaRPr lang="fr-FR"/>
+        </a:p>
+      </dgm:t>
     </dgm:pt>
     <dgm:pt modelId="{3409D267-FB56-4C57-8E92-4E15F53DB884}" type="sibTrans" cxnId="{D9588A15-8621-4CAB-A3ED-30C924ADCCE7}">
       <dgm:prSet/>
       <dgm:spPr/>
+      <dgm:t>
+        <a:bodyPr/>
+        <a:lstStyle/>
+        <a:p>
+          <a:endParaRPr lang="fr-FR"/>
+        </a:p>
+      </dgm:t>
     </dgm:pt>
     <dgm:pt modelId="{DE3F77CF-6A8C-4783-A2CE-00E88C4199CB}" type="pres">
       <dgm:prSet presAssocID="{CF9FC193-7A05-4631-B681-B56EAB543D38}" presName="Name0" presStyleCnt="0">
@@ -1826,6 +1899,9 @@
           </a:pPr>
           <a:r>
             <a:rPr lang="fr" sz="2000" kern="1200" dirty="0">
+              <a:solidFill>
+                <a:srgbClr val="FF0000"/>
+              </a:solidFill>
               <a:latin typeface="Tahoma" panose="020B0604030504040204" pitchFamily="34" charset="0"/>
               <a:ea typeface="Tahoma" panose="020B0604030504040204" pitchFamily="34" charset="0"/>
               <a:cs typeface="Tahoma" panose="020B0604030504040204" pitchFamily="34" charset="0"/>
@@ -3677,7 +3753,7 @@
           <a:p>
             <a:fld id="{8A502FC4-2826-4189-9A5A-4802B82D90F9}" type="datetimeFigureOut">
               <a:rPr lang="fr-FR" smtClean="0"/>
-              <a:t>14/05/2021</a:t>
+              <a:t>17/05/2021</a:t>
             </a:fld>
             <a:endParaRPr lang="fr-FR"/>
           </a:p>
@@ -3855,7 +3931,7 @@
           <a:p>
             <a:fld id="{9AEA84B2-E620-4EFC-AE95-6DDE4155F805}" type="datetimeFigureOut">
               <a:rPr lang="fr-FR" noProof="0" smtClean="0"/>
-              <a:t>14/05/2021</a:t>
+              <a:t>17/05/2021</a:t>
             </a:fld>
             <a:endParaRPr lang="fr-FR" noProof="0"/>
           </a:p>
@@ -4348,7 +4424,7 @@
           <a:noFill/>
           <a:extLst>
             <a:ext uri="{909E8E84-426E-40dd-AFC4-6F175D3DCCD1}">
-              <a14:hiddenFill xmlns="" xmlns:a14="http://schemas.microsoft.com/office/drawing/2010/main">
+              <a14:hiddenFill xmlns:a14="http://schemas.microsoft.com/office/drawing/2010/main" xmlns="">
                 <a:solidFill>
                   <a:srgbClr val="FFFFFF"/>
                 </a:solidFill>
@@ -4407,7 +4483,7 @@
             </a:ln>
             <a:extLst>
               <a:ext uri="{91240B29-F687-4f45-9708-019B960494DF}">
-                <a14:hiddenLine xmlns="" xmlns:a14="http://schemas.microsoft.com/office/drawing/2010/main" w="9525">
+                <a14:hiddenLine xmlns:a14="http://schemas.microsoft.com/office/drawing/2010/main" xmlns="" w="9525">
                   <a:solidFill>
                     <a:srgbClr val="000000"/>
                   </a:solidFill>
@@ -4497,7 +4573,7 @@
             </a:ln>
             <a:extLst>
               <a:ext uri="{91240B29-F687-4f45-9708-019B960494DF}">
-                <a14:hiddenLine xmlns="" xmlns:a14="http://schemas.microsoft.com/office/drawing/2010/main" w="9525">
+                <a14:hiddenLine xmlns:a14="http://schemas.microsoft.com/office/drawing/2010/main" xmlns="" w="9525">
                   <a:solidFill>
                     <a:srgbClr val="000000"/>
                   </a:solidFill>
@@ -4587,7 +4663,7 @@
             </a:ln>
             <a:extLst>
               <a:ext uri="{91240B29-F687-4f45-9708-019B960494DF}">
-                <a14:hiddenLine xmlns="" xmlns:a14="http://schemas.microsoft.com/office/drawing/2010/main" w="9525">
+                <a14:hiddenLine xmlns:a14="http://schemas.microsoft.com/office/drawing/2010/main" xmlns="" w="9525">
                   <a:solidFill>
                     <a:srgbClr val="000000"/>
                   </a:solidFill>
@@ -4621,7 +4697,7 @@
             </a:ln>
             <a:extLst>
               <a:ext uri="{91240B29-F687-4f45-9708-019B960494DF}">
-                <a14:hiddenLine xmlns="" xmlns:a14="http://schemas.microsoft.com/office/drawing/2010/main" w="9525">
+                <a14:hiddenLine xmlns:a14="http://schemas.microsoft.com/office/drawing/2010/main" xmlns="" w="9525">
                   <a:solidFill>
                     <a:srgbClr val="000000"/>
                   </a:solidFill>
@@ -4711,7 +4787,7 @@
             </a:ln>
             <a:extLst>
               <a:ext uri="{91240B29-F687-4f45-9708-019B960494DF}">
-                <a14:hiddenLine xmlns="" xmlns:a14="http://schemas.microsoft.com/office/drawing/2010/main" w="9525">
+                <a14:hiddenLine xmlns:a14="http://schemas.microsoft.com/office/drawing/2010/main" xmlns="" w="9525">
                   <a:solidFill>
                     <a:srgbClr val="000000"/>
                   </a:solidFill>
@@ -4773,7 +4849,7 @@
             </a:ln>
             <a:extLst>
               <a:ext uri="{91240B29-F687-4f45-9708-019B960494DF}">
-                <a14:hiddenLine xmlns="" xmlns:a14="http://schemas.microsoft.com/office/drawing/2010/main" w="9525">
+                <a14:hiddenLine xmlns:a14="http://schemas.microsoft.com/office/drawing/2010/main" xmlns="" w="9525">
                   <a:solidFill>
                     <a:srgbClr val="000000"/>
                   </a:solidFill>
@@ -4835,7 +4911,7 @@
             </a:ln>
             <a:extLst>
               <a:ext uri="{91240B29-F687-4f45-9708-019B960494DF}">
-                <a14:hiddenLine xmlns="" xmlns:a14="http://schemas.microsoft.com/office/drawing/2010/main" w="9525">
+                <a14:hiddenLine xmlns:a14="http://schemas.microsoft.com/office/drawing/2010/main" xmlns="" w="9525">
                   <a:solidFill>
                     <a:srgbClr val="000000"/>
                   </a:solidFill>
@@ -4925,7 +5001,7 @@
             </a:ln>
             <a:extLst>
               <a:ext uri="{91240B29-F687-4f45-9708-019B960494DF}">
-                <a14:hiddenLine xmlns="" xmlns:a14="http://schemas.microsoft.com/office/drawing/2010/main" w="9525">
+                <a14:hiddenLine xmlns:a14="http://schemas.microsoft.com/office/drawing/2010/main" xmlns="" w="9525">
                   <a:solidFill>
                     <a:srgbClr val="000000"/>
                   </a:solidFill>
@@ -4987,7 +5063,7 @@
             </a:ln>
             <a:extLst>
               <a:ext uri="{91240B29-F687-4f45-9708-019B960494DF}">
-                <a14:hiddenLine xmlns="" xmlns:a14="http://schemas.microsoft.com/office/drawing/2010/main" w="9525">
+                <a14:hiddenLine xmlns:a14="http://schemas.microsoft.com/office/drawing/2010/main" xmlns="" w="9525">
                   <a:solidFill>
                     <a:srgbClr val="000000"/>
                   </a:solidFill>
@@ -5049,7 +5125,7 @@
             </a:ln>
             <a:extLst>
               <a:ext uri="{91240B29-F687-4f45-9708-019B960494DF}">
-                <a14:hiddenLine xmlns="" xmlns:a14="http://schemas.microsoft.com/office/drawing/2010/main" w="9525">
+                <a14:hiddenLine xmlns:a14="http://schemas.microsoft.com/office/drawing/2010/main" xmlns="" w="9525">
                   <a:solidFill>
                     <a:srgbClr val="000000"/>
                   </a:solidFill>
@@ -5139,7 +5215,7 @@
             </a:ln>
             <a:extLst>
               <a:ext uri="{91240B29-F687-4f45-9708-019B960494DF}">
-                <a14:hiddenLine xmlns="" xmlns:a14="http://schemas.microsoft.com/office/drawing/2010/main" w="9525">
+                <a14:hiddenLine xmlns:a14="http://schemas.microsoft.com/office/drawing/2010/main" xmlns="" w="9525">
                   <a:solidFill>
                     <a:srgbClr val="000000"/>
                   </a:solidFill>
@@ -5229,7 +5305,7 @@
             </a:ln>
             <a:extLst>
               <a:ext uri="{91240B29-F687-4f45-9708-019B960494DF}">
-                <a14:hiddenLine xmlns="" xmlns:a14="http://schemas.microsoft.com/office/drawing/2010/main" w="9525">
+                <a14:hiddenLine xmlns:a14="http://schemas.microsoft.com/office/drawing/2010/main" xmlns="" w="9525">
                   <a:solidFill>
                     <a:srgbClr val="000000"/>
                   </a:solidFill>
@@ -5291,7 +5367,7 @@
             </a:ln>
             <a:extLst>
               <a:ext uri="{91240B29-F687-4f45-9708-019B960494DF}">
-                <a14:hiddenLine xmlns="" xmlns:a14="http://schemas.microsoft.com/office/drawing/2010/main" w="9525">
+                <a14:hiddenLine xmlns:a14="http://schemas.microsoft.com/office/drawing/2010/main" xmlns="" w="9525">
                   <a:solidFill>
                     <a:srgbClr val="000000"/>
                   </a:solidFill>
@@ -5401,7 +5477,7 @@
             </a:ln>
             <a:extLst>
               <a:ext uri="{91240B29-F687-4f45-9708-019B960494DF}">
-                <a14:hiddenLine xmlns="" xmlns:a14="http://schemas.microsoft.com/office/drawing/2010/main" w="9525">
+                <a14:hiddenLine xmlns:a14="http://schemas.microsoft.com/office/drawing/2010/main" xmlns="" w="9525">
                   <a:solidFill>
                     <a:srgbClr val="000000"/>
                   </a:solidFill>
@@ -5463,7 +5539,7 @@
             </a:ln>
             <a:extLst>
               <a:ext uri="{91240B29-F687-4f45-9708-019B960494DF}">
-                <a14:hiddenLine xmlns="" xmlns:a14="http://schemas.microsoft.com/office/drawing/2010/main" w="9525">
+                <a14:hiddenLine xmlns:a14="http://schemas.microsoft.com/office/drawing/2010/main" xmlns="" w="9525">
                   <a:solidFill>
                     <a:srgbClr val="000000"/>
                   </a:solidFill>
@@ -5553,7 +5629,7 @@
             </a:ln>
             <a:extLst>
               <a:ext uri="{91240B29-F687-4f45-9708-019B960494DF}">
-                <a14:hiddenLine xmlns="" xmlns:a14="http://schemas.microsoft.com/office/drawing/2010/main" w="9525">
+                <a14:hiddenLine xmlns:a14="http://schemas.microsoft.com/office/drawing/2010/main" xmlns="" w="9525">
                   <a:solidFill>
                     <a:srgbClr val="000000"/>
                   </a:solidFill>
@@ -5643,7 +5719,7 @@
             </a:ln>
             <a:extLst>
               <a:ext uri="{91240B29-F687-4f45-9708-019B960494DF}">
-                <a14:hiddenLine xmlns="" xmlns:a14="http://schemas.microsoft.com/office/drawing/2010/main" w="9525">
+                <a14:hiddenLine xmlns:a14="http://schemas.microsoft.com/office/drawing/2010/main" xmlns="" w="9525">
                   <a:solidFill>
                     <a:srgbClr val="000000"/>
                   </a:solidFill>
@@ -5705,7 +5781,7 @@
             </a:ln>
             <a:extLst>
               <a:ext uri="{91240B29-F687-4f45-9708-019B960494DF}">
-                <a14:hiddenLine xmlns="" xmlns:a14="http://schemas.microsoft.com/office/drawing/2010/main" w="9525">
+                <a14:hiddenLine xmlns:a14="http://schemas.microsoft.com/office/drawing/2010/main" xmlns="" w="9525">
                   <a:solidFill>
                     <a:srgbClr val="000000"/>
                   </a:solidFill>
@@ -5795,7 +5871,7 @@
             </a:ln>
             <a:extLst>
               <a:ext uri="{91240B29-F687-4f45-9708-019B960494DF}">
-                <a14:hiddenLine xmlns="" xmlns:a14="http://schemas.microsoft.com/office/drawing/2010/main" w="9525">
+                <a14:hiddenLine xmlns:a14="http://schemas.microsoft.com/office/drawing/2010/main" xmlns="" w="9525">
                   <a:solidFill>
                     <a:srgbClr val="000000"/>
                   </a:solidFill>
@@ -5885,7 +5961,7 @@
             </a:ln>
             <a:extLst>
               <a:ext uri="{91240B29-F687-4f45-9708-019B960494DF}">
-                <a14:hiddenLine xmlns="" xmlns:a14="http://schemas.microsoft.com/office/drawing/2010/main" w="9525">
+                <a14:hiddenLine xmlns:a14="http://schemas.microsoft.com/office/drawing/2010/main" xmlns="" w="9525">
                   <a:solidFill>
                     <a:srgbClr val="000000"/>
                   </a:solidFill>
@@ -5941,7 +6017,7 @@
             </a:ln>
             <a:extLst>
               <a:ext uri="{91240B29-F687-4f45-9708-019B960494DF}">
-                <a14:hiddenLine xmlns="" xmlns:a14="http://schemas.microsoft.com/office/drawing/2010/main" w="9525">
+                <a14:hiddenLine xmlns:a14="http://schemas.microsoft.com/office/drawing/2010/main" xmlns="" w="9525">
                   <a:solidFill>
                     <a:srgbClr val="000000"/>
                   </a:solidFill>
@@ -6031,7 +6107,7 @@
             </a:ln>
             <a:extLst>
               <a:ext uri="{91240B29-F687-4f45-9708-019B960494DF}">
-                <a14:hiddenLine xmlns="" xmlns:a14="http://schemas.microsoft.com/office/drawing/2010/main" w="9525">
+                <a14:hiddenLine xmlns:a14="http://schemas.microsoft.com/office/drawing/2010/main" xmlns="" w="9525">
                   <a:solidFill>
                     <a:srgbClr val="000000"/>
                   </a:solidFill>
@@ -6087,7 +6163,7 @@
             </a:ln>
             <a:extLst>
               <a:ext uri="{91240B29-F687-4f45-9708-019B960494DF}">
-                <a14:hiddenLine xmlns="" xmlns:a14="http://schemas.microsoft.com/office/drawing/2010/main" w="9525">
+                <a14:hiddenLine xmlns:a14="http://schemas.microsoft.com/office/drawing/2010/main" xmlns="" w="9525">
                   <a:solidFill>
                     <a:srgbClr val="000000"/>
                   </a:solidFill>
@@ -6177,7 +6253,7 @@
             </a:ln>
             <a:extLst>
               <a:ext uri="{91240B29-F687-4f45-9708-019B960494DF}">
-                <a14:hiddenLine xmlns="" xmlns:a14="http://schemas.microsoft.com/office/drawing/2010/main" w="9525">
+                <a14:hiddenLine xmlns:a14="http://schemas.microsoft.com/office/drawing/2010/main" xmlns="" w="9525">
                   <a:solidFill>
                     <a:srgbClr val="000000"/>
                   </a:solidFill>
@@ -6245,7 +6321,7 @@
             </a:ln>
             <a:extLst>
               <a:ext uri="{91240B29-F687-4f45-9708-019B960494DF}">
-                <a14:hiddenLine xmlns="" xmlns:a14="http://schemas.microsoft.com/office/drawing/2010/main" w="9525">
+                <a14:hiddenLine xmlns:a14="http://schemas.microsoft.com/office/drawing/2010/main" xmlns="" w="9525">
                   <a:solidFill>
                     <a:srgbClr val="000000"/>
                   </a:solidFill>
@@ -6335,7 +6411,7 @@
             </a:ln>
             <a:extLst>
               <a:ext uri="{91240B29-F687-4f45-9708-019B960494DF}">
-                <a14:hiddenLine xmlns="" xmlns:a14="http://schemas.microsoft.com/office/drawing/2010/main" w="9525">
+                <a14:hiddenLine xmlns:a14="http://schemas.microsoft.com/office/drawing/2010/main" xmlns="" w="9525">
                   <a:solidFill>
                     <a:srgbClr val="000000"/>
                   </a:solidFill>
@@ -6403,7 +6479,7 @@
             </a:ln>
             <a:extLst>
               <a:ext uri="{91240B29-F687-4f45-9708-019B960494DF}">
-                <a14:hiddenLine xmlns="" xmlns:a14="http://schemas.microsoft.com/office/drawing/2010/main" w="9525">
+                <a14:hiddenLine xmlns:a14="http://schemas.microsoft.com/office/drawing/2010/main" xmlns="" w="9525">
                   <a:solidFill>
                     <a:srgbClr val="000000"/>
                   </a:solidFill>
@@ -6493,7 +6569,7 @@
             </a:ln>
             <a:extLst>
               <a:ext uri="{91240B29-F687-4f45-9708-019B960494DF}">
-                <a14:hiddenLine xmlns="" xmlns:a14="http://schemas.microsoft.com/office/drawing/2010/main" w="9525">
+                <a14:hiddenLine xmlns:a14="http://schemas.microsoft.com/office/drawing/2010/main" xmlns="" w="9525">
                   <a:solidFill>
                     <a:srgbClr val="000000"/>
                   </a:solidFill>
@@ -6527,7 +6603,7 @@
             </a:ln>
             <a:extLst>
               <a:ext uri="{91240B29-F687-4f45-9708-019B960494DF}">
-                <a14:hiddenLine xmlns="" xmlns:a14="http://schemas.microsoft.com/office/drawing/2010/main" w="9525">
+                <a14:hiddenLine xmlns:a14="http://schemas.microsoft.com/office/drawing/2010/main" xmlns="" w="9525">
                   <a:solidFill>
                     <a:srgbClr val="000000"/>
                   </a:solidFill>
@@ -6617,7 +6693,7 @@
             </a:ln>
             <a:extLst>
               <a:ext uri="{91240B29-F687-4f45-9708-019B960494DF}">
-                <a14:hiddenLine xmlns="" xmlns:a14="http://schemas.microsoft.com/office/drawing/2010/main" w="9525">
+                <a14:hiddenLine xmlns:a14="http://schemas.microsoft.com/office/drawing/2010/main" xmlns="" w="9525">
                   <a:solidFill>
                     <a:srgbClr val="000000"/>
                   </a:solidFill>
@@ -6679,7 +6755,7 @@
             </a:ln>
             <a:extLst>
               <a:ext uri="{91240B29-F687-4f45-9708-019B960494DF}">
-                <a14:hiddenLine xmlns="" xmlns:a14="http://schemas.microsoft.com/office/drawing/2010/main" w="9525">
+                <a14:hiddenLine xmlns:a14="http://schemas.microsoft.com/office/drawing/2010/main" xmlns="" w="9525">
                   <a:solidFill>
                     <a:srgbClr val="000000"/>
                   </a:solidFill>
@@ -6741,7 +6817,7 @@
             </a:ln>
             <a:extLst>
               <a:ext uri="{91240B29-F687-4f45-9708-019B960494DF}">
-                <a14:hiddenLine xmlns="" xmlns:a14="http://schemas.microsoft.com/office/drawing/2010/main" w="9525">
+                <a14:hiddenLine xmlns:a14="http://schemas.microsoft.com/office/drawing/2010/main" xmlns="" w="9525">
                   <a:solidFill>
                     <a:srgbClr val="000000"/>
                   </a:solidFill>
@@ -6831,7 +6907,7 @@
             </a:ln>
             <a:extLst>
               <a:ext uri="{91240B29-F687-4f45-9708-019B960494DF}">
-                <a14:hiddenLine xmlns="" xmlns:a14="http://schemas.microsoft.com/office/drawing/2010/main" w="9525">
+                <a14:hiddenLine xmlns:a14="http://schemas.microsoft.com/office/drawing/2010/main" xmlns="" w="9525">
                   <a:solidFill>
                     <a:srgbClr val="000000"/>
                   </a:solidFill>
@@ -6899,7 +6975,7 @@
             </a:ln>
             <a:extLst>
               <a:ext uri="{91240B29-F687-4f45-9708-019B960494DF}">
-                <a14:hiddenLine xmlns="" xmlns:a14="http://schemas.microsoft.com/office/drawing/2010/main" w="9525">
+                <a14:hiddenLine xmlns:a14="http://schemas.microsoft.com/office/drawing/2010/main" xmlns="" w="9525">
                   <a:solidFill>
                     <a:srgbClr val="000000"/>
                   </a:solidFill>
@@ -6961,7 +7037,7 @@
             </a:ln>
             <a:extLst>
               <a:ext uri="{91240B29-F687-4f45-9708-019B960494DF}">
-                <a14:hiddenLine xmlns="" xmlns:a14="http://schemas.microsoft.com/office/drawing/2010/main" w="9525">
+                <a14:hiddenLine xmlns:a14="http://schemas.microsoft.com/office/drawing/2010/main" xmlns="" w="9525">
                   <a:solidFill>
                     <a:srgbClr val="000000"/>
                   </a:solidFill>
@@ -7051,7 +7127,7 @@
             </a:ln>
             <a:extLst>
               <a:ext uri="{91240B29-F687-4f45-9708-019B960494DF}">
-                <a14:hiddenLine xmlns="" xmlns:a14="http://schemas.microsoft.com/office/drawing/2010/main" w="9525">
+                <a14:hiddenLine xmlns:a14="http://schemas.microsoft.com/office/drawing/2010/main" xmlns="" w="9525">
                   <a:solidFill>
                     <a:srgbClr val="000000"/>
                   </a:solidFill>
@@ -7113,7 +7189,7 @@
             </a:ln>
             <a:extLst>
               <a:ext uri="{91240B29-F687-4f45-9708-019B960494DF}">
-                <a14:hiddenLine xmlns="" xmlns:a14="http://schemas.microsoft.com/office/drawing/2010/main" w="9525">
+                <a14:hiddenLine xmlns:a14="http://schemas.microsoft.com/office/drawing/2010/main" xmlns="" w="9525">
                   <a:solidFill>
                     <a:srgbClr val="000000"/>
                   </a:solidFill>
@@ -7203,7 +7279,7 @@
             </a:ln>
             <a:extLst>
               <a:ext uri="{91240B29-F687-4f45-9708-019B960494DF}">
-                <a14:hiddenLine xmlns="" xmlns:a14="http://schemas.microsoft.com/office/drawing/2010/main" w="9525">
+                <a14:hiddenLine xmlns:a14="http://schemas.microsoft.com/office/drawing/2010/main" xmlns="" w="9525">
                   <a:solidFill>
                     <a:srgbClr val="000000"/>
                   </a:solidFill>
@@ -7265,7 +7341,7 @@
             </a:ln>
             <a:extLst>
               <a:ext uri="{91240B29-F687-4f45-9708-019B960494DF}">
-                <a14:hiddenLine xmlns="" xmlns:a14="http://schemas.microsoft.com/office/drawing/2010/main" w="9525">
+                <a14:hiddenLine xmlns:a14="http://schemas.microsoft.com/office/drawing/2010/main" xmlns="" w="9525">
                   <a:solidFill>
                     <a:srgbClr val="000000"/>
                   </a:solidFill>
@@ -7355,7 +7431,7 @@
             </a:ln>
             <a:extLst>
               <a:ext uri="{91240B29-F687-4f45-9708-019B960494DF}">
-                <a14:hiddenLine xmlns="" xmlns:a14="http://schemas.microsoft.com/office/drawing/2010/main" w="9525">
+                <a14:hiddenLine xmlns:a14="http://schemas.microsoft.com/office/drawing/2010/main" xmlns="" w="9525">
                   <a:solidFill>
                     <a:srgbClr val="000000"/>
                   </a:solidFill>
@@ -7389,7 +7465,7 @@
             </a:ln>
             <a:extLst>
               <a:ext uri="{91240B29-F687-4f45-9708-019B960494DF}">
-                <a14:hiddenLine xmlns="" xmlns:a14="http://schemas.microsoft.com/office/drawing/2010/main" w="9525">
+                <a14:hiddenLine xmlns:a14="http://schemas.microsoft.com/office/drawing/2010/main" xmlns="" w="9525">
                   <a:solidFill>
                     <a:srgbClr val="000000"/>
                   </a:solidFill>
@@ -7454,7 +7530,7 @@
             </a:ln>
             <a:extLst>
               <a:ext uri="{91240B29-F687-4f45-9708-019B960494DF}">
-                <a14:hiddenLine xmlns="" xmlns:a14="http://schemas.microsoft.com/office/drawing/2010/main" w="9525">
+                <a14:hiddenLine xmlns:a14="http://schemas.microsoft.com/office/drawing/2010/main" xmlns="" w="9525">
                   <a:solidFill>
                     <a:srgbClr val="000000"/>
                   </a:solidFill>
@@ -7544,7 +7620,7 @@
             </a:ln>
             <a:extLst>
               <a:ext uri="{91240B29-F687-4f45-9708-019B960494DF}">
-                <a14:hiddenLine xmlns="" xmlns:a14="http://schemas.microsoft.com/office/drawing/2010/main" w="9525">
+                <a14:hiddenLine xmlns:a14="http://schemas.microsoft.com/office/drawing/2010/main" xmlns="" w="9525">
                   <a:solidFill>
                     <a:srgbClr val="000000"/>
                   </a:solidFill>
@@ -7606,7 +7682,7 @@
             </a:ln>
             <a:extLst>
               <a:ext uri="{91240B29-F687-4f45-9708-019B960494DF}">
-                <a14:hiddenLine xmlns="" xmlns:a14="http://schemas.microsoft.com/office/drawing/2010/main" w="9525">
+                <a14:hiddenLine xmlns:a14="http://schemas.microsoft.com/office/drawing/2010/main" xmlns="" w="9525">
                   <a:solidFill>
                     <a:srgbClr val="000000"/>
                   </a:solidFill>
@@ -7696,7 +7772,7 @@
             </a:ln>
             <a:extLst>
               <a:ext uri="{91240B29-F687-4f45-9708-019B960494DF}">
-                <a14:hiddenLine xmlns="" xmlns:a14="http://schemas.microsoft.com/office/drawing/2010/main" w="9525">
+                <a14:hiddenLine xmlns:a14="http://schemas.microsoft.com/office/drawing/2010/main" xmlns="" w="9525">
                   <a:solidFill>
                     <a:srgbClr val="000000"/>
                   </a:solidFill>
@@ -7786,7 +7862,7 @@
             </a:ln>
             <a:extLst>
               <a:ext uri="{91240B29-F687-4f45-9708-019B960494DF}">
-                <a14:hiddenLine xmlns="" xmlns:a14="http://schemas.microsoft.com/office/drawing/2010/main" w="9525">
+                <a14:hiddenLine xmlns:a14="http://schemas.microsoft.com/office/drawing/2010/main" xmlns="" w="9525">
                   <a:solidFill>
                     <a:srgbClr val="000000"/>
                   </a:solidFill>
@@ -7851,7 +7927,7 @@
             </a:ln>
             <a:extLst>
               <a:ext uri="{91240B29-F687-4f45-9708-019B960494DF}">
-                <a14:hiddenLine xmlns="" xmlns:a14="http://schemas.microsoft.com/office/drawing/2010/main" w="9525">
+                <a14:hiddenLine xmlns:a14="http://schemas.microsoft.com/office/drawing/2010/main" xmlns="" w="9525">
                   <a:solidFill>
                     <a:srgbClr val="000000"/>
                   </a:solidFill>
@@ -7913,7 +7989,7 @@
             </a:ln>
             <a:extLst>
               <a:ext uri="{91240B29-F687-4f45-9708-019B960494DF}">
-                <a14:hiddenLine xmlns="" xmlns:a14="http://schemas.microsoft.com/office/drawing/2010/main" w="9525">
+                <a14:hiddenLine xmlns:a14="http://schemas.microsoft.com/office/drawing/2010/main" xmlns="" w="9525">
                   <a:solidFill>
                     <a:srgbClr val="000000"/>
                   </a:solidFill>
@@ -8003,7 +8079,7 @@
             </a:ln>
             <a:extLst>
               <a:ext uri="{91240B29-F687-4f45-9708-019B960494DF}">
-                <a14:hiddenLine xmlns="" xmlns:a14="http://schemas.microsoft.com/office/drawing/2010/main" w="9525">
+                <a14:hiddenLine xmlns:a14="http://schemas.microsoft.com/office/drawing/2010/main" xmlns="" w="9525">
                   <a:solidFill>
                     <a:srgbClr val="000000"/>
                   </a:solidFill>
@@ -8093,7 +8169,7 @@
             </a:ln>
             <a:extLst>
               <a:ext uri="{91240B29-F687-4f45-9708-019B960494DF}">
-                <a14:hiddenLine xmlns="" xmlns:a14="http://schemas.microsoft.com/office/drawing/2010/main" w="9525">
+                <a14:hiddenLine xmlns:a14="http://schemas.microsoft.com/office/drawing/2010/main" xmlns="" w="9525">
                   <a:solidFill>
                     <a:srgbClr val="000000"/>
                   </a:solidFill>
@@ -8155,7 +8231,7 @@
             </a:ln>
             <a:extLst>
               <a:ext uri="{91240B29-F687-4f45-9708-019B960494DF}">
-                <a14:hiddenLine xmlns="" xmlns:a14="http://schemas.microsoft.com/office/drawing/2010/main" w="9525">
+                <a14:hiddenLine xmlns:a14="http://schemas.microsoft.com/office/drawing/2010/main" xmlns="" w="9525">
                   <a:solidFill>
                     <a:srgbClr val="000000"/>
                   </a:solidFill>
@@ -8275,7 +8351,7 @@
             </a:ln>
             <a:extLst>
               <a:ext uri="{91240B29-F687-4f45-9708-019B960494DF}">
-                <a14:hiddenLine xmlns="" xmlns:a14="http://schemas.microsoft.com/office/drawing/2010/main" w="9525">
+                <a14:hiddenLine xmlns:a14="http://schemas.microsoft.com/office/drawing/2010/main" xmlns="" w="9525">
                   <a:solidFill>
                     <a:srgbClr val="000000"/>
                   </a:solidFill>
@@ -8343,7 +8419,7 @@
             </a:ln>
             <a:extLst>
               <a:ext uri="{91240B29-F687-4f45-9708-019B960494DF}">
-                <a14:hiddenLine xmlns="" xmlns:a14="http://schemas.microsoft.com/office/drawing/2010/main" w="9525">
+                <a14:hiddenLine xmlns:a14="http://schemas.microsoft.com/office/drawing/2010/main" xmlns="" w="9525">
                   <a:solidFill>
                     <a:srgbClr val="000000"/>
                   </a:solidFill>
@@ -8433,7 +8509,7 @@
             </a:ln>
             <a:extLst>
               <a:ext uri="{91240B29-F687-4f45-9708-019B960494DF}">
-                <a14:hiddenLine xmlns="" xmlns:a14="http://schemas.microsoft.com/office/drawing/2010/main" w="9525">
+                <a14:hiddenLine xmlns:a14="http://schemas.microsoft.com/office/drawing/2010/main" xmlns="" w="9525">
                   <a:solidFill>
                     <a:srgbClr val="000000"/>
                   </a:solidFill>
@@ -8574,7 +8650,7 @@
             <a:pPr rtl="0"/>
             <a:fld id="{A02EAC81-5C99-4864-A0E8-CFA5C9ABA6C2}" type="datetime1">
               <a:rPr lang="fr-FR" noProof="0" smtClean="0"/>
-              <a:t>14/05/2021</a:t>
+              <a:t>17/05/2021</a:t>
             </a:fld>
             <a:endParaRPr lang="fr-FR" noProof="0"/>
           </a:p>
@@ -8843,7 +8919,7 @@
             <a:pPr rtl="0"/>
             <a:fld id="{0ACE44FF-5CD6-4B82-B1F5-6AE86C9907EB}" type="datetime1">
               <a:rPr lang="fr-FR" noProof="0" smtClean="0"/>
-              <a:t>14/05/2021</a:t>
+              <a:t>17/05/2021</a:t>
             </a:fld>
             <a:endParaRPr lang="fr-FR" noProof="0"/>
           </a:p>
@@ -9042,7 +9118,7 @@
             <a:pPr rtl="0"/>
             <a:fld id="{9B3B6F96-1DBA-403E-937D-37819E106CA7}" type="datetime1">
               <a:rPr lang="fr-FR" noProof="0" smtClean="0"/>
-              <a:t>14/05/2021</a:t>
+              <a:t>17/05/2021</a:t>
             </a:fld>
             <a:endParaRPr lang="fr-FR" noProof="0"/>
           </a:p>
@@ -9308,7 +9384,7 @@
             <a:pPr rtl="0"/>
             <a:fld id="{55413907-E3EB-48AE-AB86-05A8E02730C7}" type="datetime1">
               <a:rPr lang="fr-FR" noProof="0" smtClean="0"/>
-              <a:t>14/05/2021</a:t>
+              <a:t>17/05/2021</a:t>
             </a:fld>
             <a:endParaRPr lang="fr-FR" noProof="0"/>
           </a:p>
@@ -9745,7 +9821,7 @@
             <a:pPr rtl="0"/>
             <a:fld id="{72A7BD87-4162-417A-9B5A-2932BA9F7490}" type="datetime1">
               <a:rPr lang="fr-FR" noProof="0" smtClean="0"/>
-              <a:t>14/05/2021</a:t>
+              <a:t>17/05/2021</a:t>
             </a:fld>
             <a:endParaRPr lang="fr-FR" noProof="0"/>
           </a:p>
@@ -10294,7 +10370,7 @@
             <a:pPr rtl="0"/>
             <a:fld id="{20004DDE-15BB-4C4D-B4EA-C083161A9948}" type="datetime1">
               <a:rPr lang="fr-FR" noProof="0" smtClean="0"/>
-              <a:t>14/05/2021</a:t>
+              <a:t>17/05/2021</a:t>
             </a:fld>
             <a:endParaRPr lang="fr-FR" noProof="0"/>
           </a:p>
@@ -11014,7 +11090,7 @@
             <a:pPr rtl="0"/>
             <a:fld id="{9E1F3B7E-0513-428C-82D7-BDF3AA9A4EA5}" type="datetime1">
               <a:rPr lang="fr-FR" noProof="0" smtClean="0"/>
-              <a:t>14/05/2021</a:t>
+              <a:t>17/05/2021</a:t>
             </a:fld>
             <a:endParaRPr lang="fr-FR" noProof="0"/>
           </a:p>
@@ -11186,7 +11262,7 @@
             <a:pPr rtl="0"/>
             <a:fld id="{F2372795-7EAB-4160-A1B0-2F422ABD8E89}" type="datetime1">
               <a:rPr lang="fr-FR" noProof="0" smtClean="0"/>
-              <a:t>14/05/2021</a:t>
+              <a:t>17/05/2021</a:t>
             </a:fld>
             <a:endParaRPr lang="fr-FR" noProof="0"/>
           </a:p>
@@ -11368,7 +11444,7 @@
             <a:pPr rtl="0"/>
             <a:fld id="{4C2BF765-708F-4989-AE14-BAB9493E4588}" type="datetime1">
               <a:rPr lang="fr-FR" noProof="0" smtClean="0"/>
-              <a:t>14/05/2021</a:t>
+              <a:t>17/05/2021</a:t>
             </a:fld>
             <a:endParaRPr lang="fr-FR" noProof="0"/>
           </a:p>
@@ -11540,7 +11616,7 @@
             <a:pPr rtl="0"/>
             <a:fld id="{601D7A6B-BCC2-4C21-BAE3-6AF1B840E56D}" type="datetime1">
               <a:rPr lang="fr-FR" noProof="0" smtClean="0"/>
-              <a:t>14/05/2021</a:t>
+              <a:t>17/05/2021</a:t>
             </a:fld>
             <a:endParaRPr lang="fr-FR" noProof="0"/>
           </a:p>
@@ -11793,7 +11869,7 @@
             <a:pPr rtl="0"/>
             <a:fld id="{0635DD21-33A0-42C5-A2E5-7493465514B7}" type="datetime1">
               <a:rPr lang="fr-FR" noProof="0" smtClean="0"/>
-              <a:t>14/05/2021</a:t>
+              <a:t>17/05/2021</a:t>
             </a:fld>
             <a:endParaRPr lang="fr-FR" noProof="0"/>
           </a:p>
@@ -12026,7 +12102,7 @@
             <a:pPr rtl="0"/>
             <a:fld id="{E8BC33FA-CEBE-4502-9F9B-2F0989154353}" type="datetime1">
               <a:rPr lang="fr-FR" noProof="0" smtClean="0"/>
-              <a:t>14/05/2021</a:t>
+              <a:t>17/05/2021</a:t>
             </a:fld>
             <a:endParaRPr lang="fr-FR" noProof="0"/>
           </a:p>
@@ -12408,7 +12484,7 @@
             <a:pPr rtl="0"/>
             <a:fld id="{B3ECB3ED-4851-4DE7-9A6A-4D7485AC63E3}" type="datetime1">
               <a:rPr lang="fr-FR" noProof="0" smtClean="0"/>
-              <a:t>14/05/2021</a:t>
+              <a:t>17/05/2021</a:t>
             </a:fld>
             <a:endParaRPr lang="fr-FR" noProof="0"/>
           </a:p>
@@ -12529,7 +12605,7 @@
             <a:pPr rtl="0"/>
             <a:fld id="{DBDFEB93-A53E-490C-AF00-EDE3AFF9A36D}" type="datetime1">
               <a:rPr lang="fr-FR" noProof="0" smtClean="0"/>
-              <a:t>14/05/2021</a:t>
+              <a:t>17/05/2021</a:t>
             </a:fld>
             <a:endParaRPr lang="fr-FR" noProof="0"/>
           </a:p>
@@ -12627,7 +12703,7 @@
             <a:pPr rtl="0"/>
             <a:fld id="{969093F2-5574-4FF9-B1D2-E15C695A74EF}" type="datetime1">
               <a:rPr lang="fr-FR" noProof="0" smtClean="0"/>
-              <a:t>14/05/2021</a:t>
+              <a:t>17/05/2021</a:t>
             </a:fld>
             <a:endParaRPr lang="fr-FR" noProof="0"/>
           </a:p>
@@ -12878,7 +12954,7 @@
             <a:pPr rtl="0"/>
             <a:fld id="{575F6C24-568D-4917-863C-3B89D44003D5}" type="datetime1">
               <a:rPr lang="fr-FR" noProof="0" smtClean="0"/>
-              <a:t>14/05/2021</a:t>
+              <a:t>17/05/2021</a:t>
             </a:fld>
             <a:endParaRPr lang="fr-FR" noProof="0"/>
           </a:p>
@@ -13161,7 +13237,7 @@
             <a:pPr rtl="0"/>
             <a:fld id="{7A202532-655D-448B-BCCD-E52581A788ED}" type="datetime1">
               <a:rPr lang="fr-FR" noProof="0" smtClean="0"/>
-              <a:t>14/05/2021</a:t>
+              <a:t>17/05/2021</a:t>
             </a:fld>
             <a:endParaRPr lang="fr-FR" noProof="0"/>
           </a:p>
@@ -13286,7 +13362,7 @@
           <a:noFill/>
           <a:extLst>
             <a:ext uri="{909E8E84-426E-40dd-AFC4-6F175D3DCCD1}">
-              <a14:hiddenFill xmlns="" xmlns:a14="http://schemas.microsoft.com/office/drawing/2010/main">
+              <a14:hiddenFill xmlns:a14="http://schemas.microsoft.com/office/drawing/2010/main" xmlns="">
                 <a:solidFill>
                   <a:srgbClr val="FFFFFF"/>
                 </a:solidFill>
@@ -13360,7 +13436,7 @@
               </a:ln>
               <a:extLst>
                 <a:ext uri="{91240B29-F687-4f45-9708-019B960494DF}">
-                  <a14:hiddenLine xmlns="" xmlns:a14="http://schemas.microsoft.com/office/drawing/2010/main" w="9525">
+                  <a14:hiddenLine xmlns:a14="http://schemas.microsoft.com/office/drawing/2010/main" xmlns="" w="9525">
                     <a:solidFill>
                       <a:srgbClr val="000000"/>
                     </a:solidFill>
@@ -13450,7 +13526,7 @@
               </a:ln>
               <a:extLst>
                 <a:ext uri="{91240B29-F687-4f45-9708-019B960494DF}">
-                  <a14:hiddenLine xmlns="" xmlns:a14="http://schemas.microsoft.com/office/drawing/2010/main" w="9525">
+                  <a14:hiddenLine xmlns:a14="http://schemas.microsoft.com/office/drawing/2010/main" xmlns="" w="9525">
                     <a:solidFill>
                       <a:srgbClr val="000000"/>
                     </a:solidFill>
@@ -13540,7 +13616,7 @@
               </a:ln>
               <a:extLst>
                 <a:ext uri="{91240B29-F687-4f45-9708-019B960494DF}">
-                  <a14:hiddenLine xmlns="" xmlns:a14="http://schemas.microsoft.com/office/drawing/2010/main" w="9525">
+                  <a14:hiddenLine xmlns:a14="http://schemas.microsoft.com/office/drawing/2010/main" xmlns="" w="9525">
                     <a:solidFill>
                       <a:srgbClr val="000000"/>
                     </a:solidFill>
@@ -13602,7 +13678,7 @@
               </a:ln>
               <a:extLst>
                 <a:ext uri="{91240B29-F687-4f45-9708-019B960494DF}">
-                  <a14:hiddenLine xmlns="" xmlns:a14="http://schemas.microsoft.com/office/drawing/2010/main" w="9525">
+                  <a14:hiddenLine xmlns:a14="http://schemas.microsoft.com/office/drawing/2010/main" xmlns="" w="9525">
                     <a:solidFill>
                       <a:srgbClr val="000000"/>
                     </a:solidFill>
@@ -13692,7 +13768,7 @@
               </a:ln>
               <a:extLst>
                 <a:ext uri="{91240B29-F687-4f45-9708-019B960494DF}">
-                  <a14:hiddenLine xmlns="" xmlns:a14="http://schemas.microsoft.com/office/drawing/2010/main" w="9525">
+                  <a14:hiddenLine xmlns:a14="http://schemas.microsoft.com/office/drawing/2010/main" xmlns="" w="9525">
                     <a:solidFill>
                       <a:srgbClr val="000000"/>
                     </a:solidFill>
@@ -13754,7 +13830,7 @@
               </a:ln>
               <a:extLst>
                 <a:ext uri="{91240B29-F687-4f45-9708-019B960494DF}">
-                  <a14:hiddenLine xmlns="" xmlns:a14="http://schemas.microsoft.com/office/drawing/2010/main" w="9525">
+                  <a14:hiddenLine xmlns:a14="http://schemas.microsoft.com/office/drawing/2010/main" xmlns="" w="9525">
                     <a:solidFill>
                       <a:srgbClr val="000000"/>
                     </a:solidFill>
@@ -13816,7 +13892,7 @@
               </a:ln>
               <a:extLst>
                 <a:ext uri="{91240B29-F687-4f45-9708-019B960494DF}">
-                  <a14:hiddenLine xmlns="" xmlns:a14="http://schemas.microsoft.com/office/drawing/2010/main" w="9525">
+                  <a14:hiddenLine xmlns:a14="http://schemas.microsoft.com/office/drawing/2010/main" xmlns="" w="9525">
                     <a:solidFill>
                       <a:srgbClr val="000000"/>
                     </a:solidFill>
@@ -13906,7 +13982,7 @@
               </a:ln>
               <a:extLst>
                 <a:ext uri="{91240B29-F687-4f45-9708-019B960494DF}">
-                  <a14:hiddenLine xmlns="" xmlns:a14="http://schemas.microsoft.com/office/drawing/2010/main" w="9525">
+                  <a14:hiddenLine xmlns:a14="http://schemas.microsoft.com/office/drawing/2010/main" xmlns="" w="9525">
                     <a:solidFill>
                       <a:srgbClr val="000000"/>
                     </a:solidFill>
@@ -13996,7 +14072,7 @@
               </a:ln>
               <a:extLst>
                 <a:ext uri="{91240B29-F687-4f45-9708-019B960494DF}">
-                  <a14:hiddenLine xmlns="" xmlns:a14="http://schemas.microsoft.com/office/drawing/2010/main" w="9525">
+                  <a14:hiddenLine xmlns:a14="http://schemas.microsoft.com/office/drawing/2010/main" xmlns="" w="9525">
                     <a:solidFill>
                       <a:srgbClr val="000000"/>
                     </a:solidFill>
@@ -14058,7 +14134,7 @@
               </a:ln>
               <a:extLst>
                 <a:ext uri="{91240B29-F687-4f45-9708-019B960494DF}">
-                  <a14:hiddenLine xmlns="" xmlns:a14="http://schemas.microsoft.com/office/drawing/2010/main" w="9525">
+                  <a14:hiddenLine xmlns:a14="http://schemas.microsoft.com/office/drawing/2010/main" xmlns="" w="9525">
                     <a:solidFill>
                       <a:srgbClr val="000000"/>
                     </a:solidFill>
@@ -14168,7 +14244,7 @@
               </a:ln>
               <a:extLst>
                 <a:ext uri="{91240B29-F687-4f45-9708-019B960494DF}">
-                  <a14:hiddenLine xmlns="" xmlns:a14="http://schemas.microsoft.com/office/drawing/2010/main" w="9525">
+                  <a14:hiddenLine xmlns:a14="http://schemas.microsoft.com/office/drawing/2010/main" xmlns="" w="9525">
                     <a:solidFill>
                       <a:srgbClr val="000000"/>
                     </a:solidFill>
@@ -14252,7 +14328,7 @@
               </a:ln>
               <a:extLst>
                 <a:ext uri="{91240B29-F687-4f45-9708-019B960494DF}">
-                  <a14:hiddenLine xmlns="" xmlns:a14="http://schemas.microsoft.com/office/drawing/2010/main" w="9525">
+                  <a14:hiddenLine xmlns:a14="http://schemas.microsoft.com/office/drawing/2010/main" xmlns="" w="9525">
                     <a:solidFill>
                       <a:srgbClr val="000000"/>
                     </a:solidFill>
@@ -14314,7 +14390,7 @@
               </a:ln>
               <a:extLst>
                 <a:ext uri="{91240B29-F687-4f45-9708-019B960494DF}">
-                  <a14:hiddenLine xmlns="" xmlns:a14="http://schemas.microsoft.com/office/drawing/2010/main" w="9525">
+                  <a14:hiddenLine xmlns:a14="http://schemas.microsoft.com/office/drawing/2010/main" xmlns="" w="9525">
                     <a:solidFill>
                       <a:srgbClr val="000000"/>
                     </a:solidFill>
@@ -14376,7 +14452,7 @@
               </a:ln>
               <a:extLst>
                 <a:ext uri="{91240B29-F687-4f45-9708-019B960494DF}">
-                  <a14:hiddenLine xmlns="" xmlns:a14="http://schemas.microsoft.com/office/drawing/2010/main" w="9525">
+                  <a14:hiddenLine xmlns:a14="http://schemas.microsoft.com/office/drawing/2010/main" xmlns="" w="9525">
                     <a:solidFill>
                       <a:srgbClr val="000000"/>
                     </a:solidFill>
@@ -14466,7 +14542,7 @@
               </a:ln>
               <a:extLst>
                 <a:ext uri="{91240B29-F687-4f45-9708-019B960494DF}">
-                  <a14:hiddenLine xmlns="" xmlns:a14="http://schemas.microsoft.com/office/drawing/2010/main" w="9525">
+                  <a14:hiddenLine xmlns:a14="http://schemas.microsoft.com/office/drawing/2010/main" xmlns="" w="9525">
                     <a:solidFill>
                       <a:srgbClr val="000000"/>
                     </a:solidFill>
@@ -14500,7 +14576,7 @@
               </a:ln>
               <a:extLst>
                 <a:ext uri="{91240B29-F687-4f45-9708-019B960494DF}">
-                  <a14:hiddenLine xmlns="" xmlns:a14="http://schemas.microsoft.com/office/drawing/2010/main" w="9525">
+                  <a14:hiddenLine xmlns:a14="http://schemas.microsoft.com/office/drawing/2010/main" xmlns="" w="9525">
                     <a:solidFill>
                       <a:srgbClr val="000000"/>
                     </a:solidFill>
@@ -14565,7 +14641,7 @@
               </a:ln>
               <a:extLst>
                 <a:ext uri="{91240B29-F687-4f45-9708-019B960494DF}">
-                  <a14:hiddenLine xmlns="" xmlns:a14="http://schemas.microsoft.com/office/drawing/2010/main" w="9525">
+                  <a14:hiddenLine xmlns:a14="http://schemas.microsoft.com/office/drawing/2010/main" xmlns="" w="9525">
                     <a:solidFill>
                       <a:srgbClr val="000000"/>
                     </a:solidFill>
@@ -14655,7 +14731,7 @@
               </a:ln>
               <a:extLst>
                 <a:ext uri="{91240B29-F687-4f45-9708-019B960494DF}">
-                  <a14:hiddenLine xmlns="" xmlns:a14="http://schemas.microsoft.com/office/drawing/2010/main" w="9525">
+                  <a14:hiddenLine xmlns:a14="http://schemas.microsoft.com/office/drawing/2010/main" xmlns="" w="9525">
                     <a:solidFill>
                       <a:srgbClr val="000000"/>
                     </a:solidFill>
@@ -14717,7 +14793,7 @@
               </a:ln>
               <a:extLst>
                 <a:ext uri="{91240B29-F687-4f45-9708-019B960494DF}">
-                  <a14:hiddenLine xmlns="" xmlns:a14="http://schemas.microsoft.com/office/drawing/2010/main" w="9525">
+                  <a14:hiddenLine xmlns:a14="http://schemas.microsoft.com/office/drawing/2010/main" xmlns="" w="9525">
                     <a:solidFill>
                       <a:srgbClr val="000000"/>
                     </a:solidFill>
@@ -14807,7 +14883,7 @@
               </a:ln>
               <a:extLst>
                 <a:ext uri="{91240B29-F687-4f45-9708-019B960494DF}">
-                  <a14:hiddenLine xmlns="" xmlns:a14="http://schemas.microsoft.com/office/drawing/2010/main" w="9525">
+                  <a14:hiddenLine xmlns:a14="http://schemas.microsoft.com/office/drawing/2010/main" xmlns="" w="9525">
                     <a:solidFill>
                       <a:srgbClr val="000000"/>
                     </a:solidFill>
@@ -14872,7 +14948,7 @@
               </a:ln>
               <a:extLst>
                 <a:ext uri="{91240B29-F687-4f45-9708-019B960494DF}">
-                  <a14:hiddenLine xmlns="" xmlns:a14="http://schemas.microsoft.com/office/drawing/2010/main" w="9525">
+                  <a14:hiddenLine xmlns:a14="http://schemas.microsoft.com/office/drawing/2010/main" xmlns="" w="9525">
                     <a:solidFill>
                       <a:srgbClr val="000000"/>
                     </a:solidFill>
@@ -14934,7 +15010,7 @@
               </a:ln>
               <a:extLst>
                 <a:ext uri="{91240B29-F687-4f45-9708-019B960494DF}">
-                  <a14:hiddenLine xmlns="" xmlns:a14="http://schemas.microsoft.com/office/drawing/2010/main" w="9525">
+                  <a14:hiddenLine xmlns:a14="http://schemas.microsoft.com/office/drawing/2010/main" xmlns="" w="9525">
                     <a:solidFill>
                       <a:srgbClr val="000000"/>
                     </a:solidFill>
@@ -15024,7 +15100,7 @@
               </a:ln>
               <a:extLst>
                 <a:ext uri="{91240B29-F687-4f45-9708-019B960494DF}">
-                  <a14:hiddenLine xmlns="" xmlns:a14="http://schemas.microsoft.com/office/drawing/2010/main" w="9525">
+                  <a14:hiddenLine xmlns:a14="http://schemas.microsoft.com/office/drawing/2010/main" xmlns="" w="9525">
                     <a:solidFill>
                       <a:srgbClr val="000000"/>
                     </a:solidFill>
@@ -15114,7 +15190,7 @@
               </a:ln>
               <a:extLst>
                 <a:ext uri="{91240B29-F687-4f45-9708-019B960494DF}">
-                  <a14:hiddenLine xmlns="" xmlns:a14="http://schemas.microsoft.com/office/drawing/2010/main" w="9525">
+                  <a14:hiddenLine xmlns:a14="http://schemas.microsoft.com/office/drawing/2010/main" xmlns="" w="9525">
                     <a:solidFill>
                       <a:srgbClr val="000000"/>
                     </a:solidFill>
@@ -15179,7 +15255,7 @@
               </a:ln>
               <a:extLst>
                 <a:ext uri="{91240B29-F687-4f45-9708-019B960494DF}">
-                  <a14:hiddenLine xmlns="" xmlns:a14="http://schemas.microsoft.com/office/drawing/2010/main" w="9525">
+                  <a14:hiddenLine xmlns:a14="http://schemas.microsoft.com/office/drawing/2010/main" xmlns="" w="9525">
                     <a:solidFill>
                       <a:srgbClr val="000000"/>
                     </a:solidFill>
@@ -15299,7 +15375,7 @@
               </a:ln>
               <a:extLst>
                 <a:ext uri="{91240B29-F687-4f45-9708-019B960494DF}">
-                  <a14:hiddenLine xmlns="" xmlns:a14="http://schemas.microsoft.com/office/drawing/2010/main" w="9525">
+                  <a14:hiddenLine xmlns:a14="http://schemas.microsoft.com/office/drawing/2010/main" xmlns="" w="9525">
                     <a:solidFill>
                       <a:srgbClr val="000000"/>
                     </a:solidFill>
@@ -15380,7 +15456,7 @@
               </a:ln>
               <a:extLst>
                 <a:ext uri="{91240B29-F687-4f45-9708-019B960494DF}">
-                  <a14:hiddenLine xmlns="" xmlns:a14="http://schemas.microsoft.com/office/drawing/2010/main" w="9525">
+                  <a14:hiddenLine xmlns:a14="http://schemas.microsoft.com/office/drawing/2010/main" xmlns="" w="9525">
                     <a:solidFill>
                       <a:srgbClr val="000000"/>
                     </a:solidFill>
@@ -15495,7 +15571,7 @@
               </a:ln>
               <a:extLst>
                 <a:ext uri="{91240B29-F687-4f45-9708-019B960494DF}">
-                  <a14:hiddenLine xmlns="" xmlns:a14="http://schemas.microsoft.com/office/drawing/2010/main" w="9525">
+                  <a14:hiddenLine xmlns:a14="http://schemas.microsoft.com/office/drawing/2010/main" xmlns="" w="9525">
                     <a:solidFill>
                       <a:srgbClr val="000000"/>
                     </a:solidFill>
@@ -15585,7 +15661,7 @@
               </a:ln>
               <a:extLst>
                 <a:ext uri="{91240B29-F687-4f45-9708-019B960494DF}">
-                  <a14:hiddenLine xmlns="" xmlns:a14="http://schemas.microsoft.com/office/drawing/2010/main" w="9525">
+                  <a14:hiddenLine xmlns:a14="http://schemas.microsoft.com/office/drawing/2010/main" xmlns="" w="9525">
                     <a:solidFill>
                       <a:srgbClr val="000000"/>
                     </a:solidFill>
@@ -15650,7 +15726,7 @@
               </a:ln>
               <a:extLst>
                 <a:ext uri="{91240B29-F687-4f45-9708-019B960494DF}">
-                  <a14:hiddenLine xmlns="" xmlns:a14="http://schemas.microsoft.com/office/drawing/2010/main" w="9525">
+                  <a14:hiddenLine xmlns:a14="http://schemas.microsoft.com/office/drawing/2010/main" xmlns="" w="9525">
                     <a:solidFill>
                       <a:srgbClr val="000000"/>
                     </a:solidFill>
@@ -15740,7 +15816,7 @@
               </a:ln>
               <a:extLst>
                 <a:ext uri="{91240B29-F687-4f45-9708-019B960494DF}">
-                  <a14:hiddenLine xmlns="" xmlns:a14="http://schemas.microsoft.com/office/drawing/2010/main" w="9525">
+                  <a14:hiddenLine xmlns:a14="http://schemas.microsoft.com/office/drawing/2010/main" xmlns="" w="9525">
                     <a:solidFill>
                       <a:srgbClr val="000000"/>
                     </a:solidFill>
@@ -15808,7 +15884,7 @@
               </a:ln>
               <a:extLst>
                 <a:ext uri="{91240B29-F687-4f45-9708-019B960494DF}">
-                  <a14:hiddenLine xmlns="" xmlns:a14="http://schemas.microsoft.com/office/drawing/2010/main" w="9525">
+                  <a14:hiddenLine xmlns:a14="http://schemas.microsoft.com/office/drawing/2010/main" xmlns="" w="9525">
                     <a:solidFill>
                       <a:srgbClr val="000000"/>
                     </a:solidFill>
@@ -15898,7 +15974,7 @@
               </a:ln>
               <a:extLst>
                 <a:ext uri="{91240B29-F687-4f45-9708-019B960494DF}">
-                  <a14:hiddenLine xmlns="" xmlns:a14="http://schemas.microsoft.com/office/drawing/2010/main" w="9525">
+                  <a14:hiddenLine xmlns:a14="http://schemas.microsoft.com/office/drawing/2010/main" xmlns="" w="9525">
                     <a:solidFill>
                       <a:srgbClr val="000000"/>
                     </a:solidFill>
@@ -15966,7 +16042,7 @@
               </a:ln>
               <a:extLst>
                 <a:ext uri="{91240B29-F687-4f45-9708-019B960494DF}">
-                  <a14:hiddenLine xmlns="" xmlns:a14="http://schemas.microsoft.com/office/drawing/2010/main" w="9525">
+                  <a14:hiddenLine xmlns:a14="http://schemas.microsoft.com/office/drawing/2010/main" xmlns="" w="9525">
                     <a:solidFill>
                       <a:srgbClr val="000000"/>
                     </a:solidFill>
@@ -16056,7 +16132,7 @@
               </a:ln>
               <a:extLst>
                 <a:ext uri="{91240B29-F687-4f45-9708-019B960494DF}">
-                  <a14:hiddenLine xmlns="" xmlns:a14="http://schemas.microsoft.com/office/drawing/2010/main" w="9525">
+                  <a14:hiddenLine xmlns:a14="http://schemas.microsoft.com/office/drawing/2010/main" xmlns="" w="9525">
                     <a:solidFill>
                       <a:srgbClr val="000000"/>
                     </a:solidFill>
@@ -16090,7 +16166,7 @@
               </a:ln>
               <a:extLst>
                 <a:ext uri="{91240B29-F687-4f45-9708-019B960494DF}">
-                  <a14:hiddenLine xmlns="" xmlns:a14="http://schemas.microsoft.com/office/drawing/2010/main" w="9525">
+                  <a14:hiddenLine xmlns:a14="http://schemas.microsoft.com/office/drawing/2010/main" xmlns="" w="9525">
                     <a:solidFill>
                       <a:srgbClr val="000000"/>
                     </a:solidFill>
@@ -16231,7 +16307,7 @@
             <a:pPr rtl="0"/>
             <a:fld id="{CD282D03-1B0F-4808-A039-91C9E6CB118E}" type="datetime1">
               <a:rPr lang="fr-FR" noProof="0" smtClean="0"/>
-              <a:t>14/05/2021</a:t>
+              <a:t>17/05/2021</a:t>
             </a:fld>
             <a:endParaRPr lang="fr-FR" noProof="0" dirty="0"/>
           </a:p>
@@ -16774,72 +16850,57 @@
             <p:ph type="title"/>
           </p:nvPr>
         </p:nvSpPr>
-        <p:spPr/>
+        <p:spPr>
+          <a:xfrm>
+            <a:off x="1211082" y="316748"/>
+            <a:ext cx="9905998" cy="1478570"/>
+          </a:xfrm>
+        </p:spPr>
         <p:txBody>
-          <a:bodyPr>
-            <a:normAutofit/>
+          <a:bodyPr vert="horz" lIns="91440" tIns="45720" rIns="91440" bIns="45720" rtlCol="0" anchor="ctr">
+            <a:normAutofit fontScale="90000"/>
           </a:bodyPr>
           <a:lstStyle/>
           <a:p>
             <a:r>
-              <a:rPr lang="fr-FR" sz="3200" dirty="0"/>
+              <a:rPr lang="fr-FR" dirty="0"/>
               <a:t>DESCRIPTION DE LA Vulnérabilité 12636 </a:t>
             </a:r>
             <a:br>
-              <a:rPr lang="fr-FR" sz="3200" dirty="0"/>
+              <a:rPr lang="fr-FR" dirty="0"/>
             </a:br>
             <a:r>
-              <a:rPr lang="fr-FR" sz="1600" b="0" i="0" dirty="0" err="1">
-                <a:effectLst/>
-                <a:latin typeface="Roboto" panose="02000000000000000000" pitchFamily="2" charset="0"/>
-              </a:rPr>
+              <a:rPr lang="fr-FR" dirty="0"/>
+              <a:t>«  </a:t>
+            </a:r>
+            <a:r>
+              <a:rPr lang="fr-FR" dirty="0" err="1"/>
               <a:t>Arbitrary</a:t>
             </a:r>
             <a:r>
-              <a:rPr lang="fr-FR" sz="1600" b="0" i="0" dirty="0">
-                <a:effectLst/>
-                <a:latin typeface="Roboto" panose="02000000000000000000" pitchFamily="2" charset="0"/>
-              </a:rPr>
+              <a:rPr lang="fr-FR" dirty="0"/>
               <a:t> </a:t>
             </a:r>
             <a:r>
-              <a:rPr lang="fr-FR" sz="1600" b="0" i="0" dirty="0" err="1">
-                <a:effectLst/>
-                <a:latin typeface="Roboto" panose="02000000000000000000" pitchFamily="2" charset="0"/>
-              </a:rPr>
+              <a:rPr lang="fr-FR" dirty="0" err="1"/>
               <a:t>CoMMAND</a:t>
             </a:r>
             <a:r>
-              <a:rPr lang="fr-FR" sz="1600" b="0" i="0" dirty="0">
-                <a:effectLst/>
-                <a:latin typeface="Roboto" panose="02000000000000000000" pitchFamily="2" charset="0"/>
-              </a:rPr>
+              <a:rPr lang="fr-FR" dirty="0"/>
               <a:t>  </a:t>
             </a:r>
             <a:r>
-              <a:rPr lang="fr-FR" sz="1600" b="0" i="0" dirty="0" err="1">
-                <a:effectLst/>
-                <a:latin typeface="Roboto" panose="02000000000000000000" pitchFamily="2" charset="0"/>
-              </a:rPr>
+              <a:rPr lang="fr-FR" dirty="0" err="1"/>
               <a:t>Execution</a:t>
             </a:r>
             <a:r>
-              <a:rPr lang="fr-FR" sz="1600" b="0" i="0" dirty="0">
-                <a:effectLst/>
-                <a:latin typeface="Roboto" panose="02000000000000000000" pitchFamily="2" charset="0"/>
-              </a:rPr>
-              <a:t> </a:t>
+              <a:rPr lang="fr-FR" dirty="0"/>
+              <a:t> »</a:t>
             </a:r>
             <a:br>
-              <a:rPr lang="fr-FR" sz="1600" b="0" i="0" dirty="0">
-                <a:solidFill>
-                  <a:srgbClr val="6C757D"/>
-                </a:solidFill>
-                <a:effectLst/>
-                <a:latin typeface="Roboto" panose="02000000000000000000" pitchFamily="2" charset="0"/>
-              </a:rPr>
+              <a:rPr lang="fr-FR" dirty="0"/>
             </a:br>
-            <a:endParaRPr lang="fr-FR" sz="3200" dirty="0"/>
+            <a:endParaRPr lang="fr-FR" dirty="0"/>
           </a:p>
         </p:txBody>
       </p:sp>
@@ -16861,13 +16922,13 @@
         </p:nvSpPr>
         <p:spPr>
           <a:xfrm>
-            <a:off x="1141412" y="1945294"/>
-            <a:ext cx="9905999" cy="4294188"/>
+            <a:off x="1074920" y="1710162"/>
+            <a:ext cx="5278242" cy="4294188"/>
           </a:xfrm>
         </p:spPr>
         <p:txBody>
           <a:bodyPr>
-            <a:normAutofit fontScale="85000" lnSpcReduction="20000"/>
+            <a:normAutofit fontScale="70000" lnSpcReduction="20000"/>
           </a:bodyPr>
           <a:lstStyle/>
           <a:p>
@@ -16922,7 +16983,7 @@
                 <a:effectLst/>
                 <a:latin typeface="+mj-lt"/>
               </a:rPr>
-              <a:t> Certaines des options de configuration incluent des chemins pour les binaires au niveau du système d’exploitation qui sont ensuite lancés par </a:t>
+              <a:t> Certaines des options de configuration incluent des chemins des scripts au niveau du système d’exploitation qui sont ensuite lancés par </a:t>
             </a:r>
             <a:r>
               <a:rPr lang="fr-FR" b="1" i="0" dirty="0" err="1">
@@ -17034,18 +17095,10 @@
             <a:pPr marL="0" indent="0">
               <a:buNone/>
             </a:pPr>
-            <a:br>
-              <a:rPr lang="fr-FR" b="1" dirty="0">
-                <a:latin typeface="+mj-lt"/>
-              </a:rPr>
-            </a:br>
-            <a:r>
-              <a:rPr lang="fr-FR" sz="2600" b="1" i="0" dirty="0">
-                <a:effectLst/>
-                <a:latin typeface="+mj-lt"/>
-              </a:rPr>
-              <a:t>.</a:t>
-            </a:r>
+            <a:endParaRPr lang="fr-FR" sz="2600" b="1" i="0" dirty="0">
+              <a:effectLst/>
+              <a:latin typeface="+mj-lt"/>
+            </a:endParaRPr>
           </a:p>
           <a:p>
             <a:pPr marL="0" indent="0">
@@ -17054,6 +17107,72 @@
             <a:endParaRPr lang="fr-FR" b="1" dirty="0">
               <a:latin typeface="+mj-lt"/>
             </a:endParaRPr>
+          </a:p>
+        </p:txBody>
+      </p:sp>
+      <p:pic>
+        <p:nvPicPr>
+          <p:cNvPr id="5" name="Image 4">
+            <a:extLst>
+              <a:ext uri="{FF2B5EF4-FFF2-40B4-BE49-F238E27FC236}">
+                <a16:creationId xmlns:a16="http://schemas.microsoft.com/office/drawing/2014/main" id="{3B7E45AF-6F25-4CA0-BBDC-339D27D31892}"/>
+              </a:ext>
+            </a:extLst>
+          </p:cNvPr>
+          <p:cNvPicPr>
+            <a:picLocks noChangeAspect="1"/>
+          </p:cNvPicPr>
+          <p:nvPr/>
+        </p:nvPicPr>
+        <p:blipFill>
+          <a:blip r:embed="rId3"/>
+          <a:stretch>
+            <a:fillRect/>
+          </a:stretch>
+        </p:blipFill>
+        <p:spPr>
+          <a:xfrm>
+            <a:off x="6742048" y="1833506"/>
+            <a:ext cx="5345163" cy="3022023"/>
+          </a:xfrm>
+          <a:prstGeom prst="rect">
+            <a:avLst/>
+          </a:prstGeom>
+        </p:spPr>
+      </p:pic>
+      <p:sp>
+        <p:nvSpPr>
+          <p:cNvPr id="6" name="ZoneTexte 5">
+            <a:hlinkClick r:id="rId4"/>
+            <a:extLst>
+              <a:ext uri="{FF2B5EF4-FFF2-40B4-BE49-F238E27FC236}">
+                <a16:creationId xmlns:a16="http://schemas.microsoft.com/office/drawing/2014/main" id="{BA004D5B-E871-4DA9-892E-2488105C6A54}"/>
+              </a:ext>
+            </a:extLst>
+          </p:cNvPr>
+          <p:cNvSpPr txBox="1"/>
+          <p:nvPr/>
+        </p:nvSpPr>
+        <p:spPr>
+          <a:xfrm>
+            <a:off x="7559041" y="4855529"/>
+            <a:ext cx="3257005" cy="646331"/>
+          </a:xfrm>
+          <a:prstGeom prst="rect">
+            <a:avLst/>
+          </a:prstGeom>
+          <a:noFill/>
+        </p:spPr>
+        <p:txBody>
+          <a:bodyPr wrap="square" rtlCol="0">
+            <a:spAutoFit/>
+          </a:bodyPr>
+          <a:lstStyle/>
+          <a:p>
+            <a:r>
+              <a:rPr lang="fr-FR" dirty="0"/>
+              <a:t>Les risques associés au injection de commande OS  Source Web</a:t>
+            </a:r>
           </a:p>
         </p:txBody>
       </p:sp>
@@ -17121,13 +17240,6 @@
           <a:p>
             <a:pPr algn="l" fontAlgn="base"/>
             <a:r>
-              <a:rPr lang="fr-FR" sz="2500" b="0" i="0" dirty="0">
-                <a:effectLst/>
-                <a:latin typeface="+mj-lt"/>
-              </a:rPr>
-              <a:t>. </a:t>
-            </a:r>
-            <a:r>
               <a:rPr lang="fr-FR" sz="2000" b="1" i="0" dirty="0">
                 <a:effectLst/>
                 <a:latin typeface="+mj-lt"/>
@@ -17146,7 +17258,21 @@
                 <a:effectLst/>
                 <a:latin typeface="+mj-lt"/>
               </a:rPr>
-              <a:t> sont des chemins de fichiers vers des exécuteurs testamentaires qui sont consciencieusement exécutés par </a:t>
+              <a:t> sont des chemins de fichiers vers « </a:t>
+            </a:r>
+            <a:r>
+              <a:rPr lang="fr-FR" sz="2000" b="1" i="0" dirty="0" err="1">
+                <a:effectLst/>
+                <a:latin typeface="+mj-lt"/>
+              </a:rPr>
+              <a:t>interpreteur</a:t>
+            </a:r>
+            <a:r>
+              <a:rPr lang="fr-FR" sz="2000" b="1" i="0" dirty="0">
+                <a:effectLst/>
+                <a:latin typeface="+mj-lt"/>
+              </a:rPr>
+              <a:t> » qui sont consciencieusement exécutés par </a:t>
             </a:r>
             <a:r>
               <a:rPr lang="fr-FR" sz="2000" b="1" i="0" dirty="0" err="1">
@@ -17177,7 +17303,7 @@
                 <a:effectLst/>
                 <a:latin typeface="+mj-lt"/>
               </a:rPr>
-              <a:t>L’API config n’est disponible que pour les utilisateurs admin. La configuration de chemins exécutables arbitraires permet aux administrateurs de définir n’importe quel exécuteur testamentaire grâce à l’utilisation de l’API HTTP(S). Ces exécutions s’exécuteront dans le champ d’application de l’utilisateur du système d’exploitation sous lequel </a:t>
+              <a:t>L’API config n’est disponible que pour les utilisateurs admin. La configuration de chemins exécutables arbitraires permet aux administrateurs de définir n’importe quel « interpréteur » grâce à l’utilisation de l’API HTTP(S). Ces exécutions s’exécuteront dans le champ d’application de l’utilisateur du système d’exploitation sous lequel </a:t>
             </a:r>
             <a:r>
               <a:rPr lang="fr-FR" sz="2000" b="1" i="0" dirty="0" err="1">
@@ -17370,7 +17496,7 @@
           <a:p>
             <a:r>
               <a:rPr lang="fr-FR" sz="3200" dirty="0"/>
-              <a:t>En tant qu’administrateur réseaux  COMMENT EMPECHER QUE LA FAILLE PUISSE ETRE EXPLOITEE ?</a:t>
+              <a:t>En tant qu’administrateur réseaux COMMENT EMPECHER QUE LA FAILLE PUISSE ETRE EXPLOITEE ?</a:t>
             </a:r>
           </a:p>
         </p:txBody>
@@ -17670,9 +17796,83 @@
             </a:r>
           </a:p>
           <a:p>
-            <a:pPr lvl="1">
-              <a:buFont typeface="Wingdings" panose="05000000000000000000" pitchFamily="2" charset="2"/>
-              <a:buChar char="Ø"/>
+            <a:pPr marL="0" indent="0" eaLnBrk="0" fontAlgn="base" hangingPunct="0">
+              <a:lnSpc>
+                <a:spcPct val="100000"/>
+              </a:lnSpc>
+              <a:spcBef>
+                <a:spcPct val="0"/>
+              </a:spcBef>
+              <a:spcAft>
+                <a:spcPct val="0"/>
+              </a:spcAft>
+              <a:buSzTx/>
+              <a:buNone/>
+            </a:pPr>
+            <a:r>
+              <a:rPr kumimoji="0" lang="fr-FR" altLang="fr-FR" sz="2400" b="0" i="0" u="none" strike="noStrike" cap="none" normalizeH="0" baseline="0" dirty="0">
+                <a:ln>
+                  <a:noFill/>
+                </a:ln>
+                <a:effectLst/>
+                <a:latin typeface="+mj-lt"/>
+              </a:rPr>
+              <a:t>Mettre en place un serveur proxy pour interdire les </a:t>
+            </a:r>
+            <a:r>
+              <a:rPr kumimoji="0" lang="fr-FR" altLang="fr-FR" sz="2400" b="0" i="0" u="none" strike="noStrike" cap="none" normalizeH="0" baseline="0" dirty="0" err="1">
+                <a:ln>
+                  <a:noFill/>
+                </a:ln>
+                <a:effectLst/>
+                <a:latin typeface="+mj-lt"/>
+              </a:rPr>
+              <a:t>réquetes</a:t>
+            </a:r>
+            <a:r>
+              <a:rPr kumimoji="0" lang="fr-FR" altLang="fr-FR" sz="2400" b="0" i="0" u="none" strike="noStrike" cap="none" normalizeH="0" baseline="0" dirty="0">
+                <a:ln>
+                  <a:noFill/>
+                </a:ln>
+                <a:effectLst/>
+                <a:latin typeface="+mj-lt"/>
+              </a:rPr>
+              <a:t> qui incluent des commandes </a:t>
+            </a:r>
+            <a:r>
+              <a:rPr kumimoji="0" lang="fr-FR" altLang="fr-FR" sz="2400" b="0" i="0" u="none" strike="noStrike" cap="none" normalizeH="0" baseline="0" dirty="0" err="1">
+                <a:ln>
+                  <a:noFill/>
+                </a:ln>
+                <a:effectLst/>
+                <a:latin typeface="+mj-lt"/>
+              </a:rPr>
+              <a:t>shell</a:t>
+            </a:r>
+            <a:endParaRPr kumimoji="0" lang="fr-FR" altLang="fr-FR" sz="2400" b="0" i="0" u="none" strike="noStrike" cap="none" normalizeH="0" baseline="0" dirty="0">
+              <a:ln>
+                <a:noFill/>
+              </a:ln>
+              <a:effectLst/>
+              <a:latin typeface="+mj-lt"/>
+            </a:endParaRPr>
+          </a:p>
+          <a:p>
+            <a:pPr marL="0" marR="0" lvl="0" indent="0" algn="l" defTabSz="914400" rtl="0" eaLnBrk="0" fontAlgn="base" latinLnBrk="0" hangingPunct="0">
+              <a:lnSpc>
+                <a:spcPct val="100000"/>
+              </a:lnSpc>
+              <a:spcBef>
+                <a:spcPct val="0"/>
+              </a:spcBef>
+              <a:spcAft>
+                <a:spcPct val="0"/>
+              </a:spcAft>
+              <a:buClrTx/>
+              <a:buSzTx/>
+              <a:buFontTx/>
+              <a:buNone/>
+              <a:tabLst/>
             </a:pPr>
             <a:endParaRPr lang="fr-FR" sz="2400" dirty="0"/>
           </a:p>
@@ -18198,9 +18398,16 @@
             <p:ph idx="1"/>
           </p:nvPr>
         </p:nvSpPr>
-        <p:spPr/>
+        <p:spPr>
+          <a:xfrm>
+            <a:off x="1141412" y="2249487"/>
+            <a:ext cx="10937377" cy="3541714"/>
+          </a:xfrm>
+        </p:spPr>
         <p:txBody>
-          <a:bodyPr/>
+          <a:bodyPr>
+            <a:normAutofit/>
+          </a:bodyPr>
           <a:lstStyle/>
           <a:p>
             <a:pPr>
@@ -18257,22 +18464,35 @@
             </a:r>
             <a:r>
               <a:rPr lang="fr-FR" b="1" dirty="0"/>
-              <a:t>Type de compromission : profil administrateur endossé </a:t>
-            </a:r>
-          </a:p>
-          <a:p>
-            <a:pPr lvl="1"/>
+              <a:t>Type de compromission « 12635 » : Elévation de privilège</a:t>
+            </a:r>
+          </a:p>
+          <a:p>
+            <a:pPr marL="914400" lvl="2" indent="0">
+              <a:buNone/>
+            </a:pPr>
+            <a:r>
+              <a:rPr lang="fr-FR" b="1" dirty="0"/>
+              <a:t>Profil administrateur endossé</a:t>
+            </a:r>
+          </a:p>
+          <a:p>
+            <a:pPr lvl="3"/>
             <a:r>
               <a:rPr lang="fr-FR" dirty="0"/>
               <a:t>sur le service </a:t>
             </a:r>
           </a:p>
           <a:p>
-            <a:pPr lvl="1"/>
+            <a:pPr lvl="3"/>
             <a:r>
               <a:rPr lang="fr-FR" dirty="0"/>
               <a:t>et la machine hébergeuse</a:t>
             </a:r>
+          </a:p>
+          <a:p>
+            <a:pPr lvl="3"/>
+            <a:endParaRPr lang="fr-FR" dirty="0"/>
           </a:p>
         </p:txBody>
       </p:sp>
@@ -18552,6 +18772,41 @@
           </a:prstGeom>
         </p:spPr>
       </p:pic>
+      <p:sp>
+        <p:nvSpPr>
+          <p:cNvPr id="6" name="ZoneTexte 5">
+            <a:extLst>
+              <a:ext uri="{FF2B5EF4-FFF2-40B4-BE49-F238E27FC236}">
+                <a16:creationId xmlns:a16="http://schemas.microsoft.com/office/drawing/2014/main" id="{1FF63EE5-9E3D-41D1-AB1E-4A22B0AAB01F}"/>
+              </a:ext>
+            </a:extLst>
+          </p:cNvPr>
+          <p:cNvSpPr txBox="1"/>
+          <p:nvPr/>
+        </p:nvSpPr>
+        <p:spPr>
+          <a:xfrm>
+            <a:off x="7424058" y="5943600"/>
+            <a:ext cx="3357153" cy="369332"/>
+          </a:xfrm>
+          <a:prstGeom prst="rect">
+            <a:avLst/>
+          </a:prstGeom>
+          <a:noFill/>
+        </p:spPr>
+        <p:txBody>
+          <a:bodyPr wrap="square">
+            <a:spAutoFit/>
+          </a:bodyPr>
+          <a:lstStyle/>
+          <a:p>
+            <a:r>
+              <a:rPr lang="fr-FR" dirty="0"/>
+              <a:t>https://www.json.org/json-en.html</a:t>
+            </a:r>
+          </a:p>
+        </p:txBody>
+      </p:sp>
     </p:spTree>
     <p:extLst>
       <p:ext uri="{BB962C8B-B14F-4D97-AF65-F5344CB8AC3E}">
@@ -18636,7 +18891,7 @@
         </p:spPr>
         <p:txBody>
           <a:bodyPr>
-            <a:normAutofit fontScale="85000" lnSpcReduction="10000"/>
+            <a:normAutofit fontScale="77500" lnSpcReduction="20000"/>
           </a:bodyPr>
           <a:lstStyle/>
           <a:p>
@@ -18699,15 +18954,7 @@
             </a:pPr>
             <a:r>
               <a:rPr lang="fr-FR" dirty="0"/>
-              <a:t>•	Utilisation JSON </a:t>
-            </a:r>
-            <a:r>
-              <a:rPr lang="fr-FR" dirty="0" err="1"/>
-              <a:t>Elrang</a:t>
-            </a:r>
-            <a:r>
-              <a:rPr lang="fr-FR" dirty="0"/>
-              <a:t> :{[{&lt;&lt;"</a:t>
+              <a:t>•	Utilisation JSON Erlang :{[{&lt;&lt;"</a:t>
             </a:r>
             <a:r>
               <a:rPr lang="fr-FR" dirty="0" err="1"/>
@@ -18757,8 +19004,20 @@
             </a:r>
             <a:r>
               <a:rPr lang="fr-FR" dirty="0"/>
-              <a:t> ne retournera que la première valeur.</a:t>
-            </a:r>
+              <a:t> ne retournera que la première valeur. </a:t>
+            </a:r>
+          </a:p>
+          <a:p>
+            <a:pPr marL="0" indent="0">
+              <a:buNone/>
+            </a:pPr>
+            <a:r>
+              <a:rPr lang="fr-FR" dirty="0">
+                <a:hlinkClick r:id="rId2"/>
+              </a:rPr>
+              <a:t>Ex : Faille</a:t>
+            </a:r>
+            <a:endParaRPr lang="fr-FR" dirty="0"/>
           </a:p>
           <a:p>
             <a:pPr marL="0" indent="0">
@@ -18847,7 +19106,7 @@
         <p:spPr/>
         <p:txBody>
           <a:bodyPr>
-            <a:normAutofit fontScale="85000" lnSpcReduction="10000"/>
+            <a:normAutofit fontScale="92500" lnSpcReduction="20000"/>
           </a:bodyPr>
           <a:lstStyle/>
           <a:p>
@@ -18869,7 +19128,7 @@
             </a:pPr>
             <a:r>
               <a:rPr lang="fr-FR" sz="2400" dirty="0"/>
-              <a:t> Détection et Isolation de la machine   hébergeuse</a:t>
+              <a:t> Détection et Isolation de la machine  hébergeuse</a:t>
             </a:r>
           </a:p>
           <a:p>
@@ -18923,10 +19182,15 @@
             <p:ph sz="half" idx="2"/>
           </p:nvPr>
         </p:nvSpPr>
-        <p:spPr/>
+        <p:spPr>
+          <a:xfrm>
+            <a:off x="6172200" y="2249486"/>
+            <a:ext cx="5131526" cy="3989996"/>
+          </a:xfrm>
+        </p:spPr>
         <p:txBody>
           <a:bodyPr>
-            <a:normAutofit fontScale="85000" lnSpcReduction="10000"/>
+            <a:normAutofit fontScale="92500" lnSpcReduction="20000"/>
           </a:bodyPr>
           <a:lstStyle/>
           <a:p>
@@ -18934,12 +19198,6 @@
               <a:rPr lang="fr-FR" sz="2800" dirty="0"/>
               <a:t>Pour empêcher que la faille puisse être exploitée ?</a:t>
             </a:r>
-          </a:p>
-          <a:p>
-            <a:pPr marL="0" indent="0">
-              <a:buNone/>
-            </a:pPr>
-            <a:endParaRPr lang="fr-FR" sz="2800" dirty="0"/>
           </a:p>
           <a:p>
             <a:pPr lvl="1">
@@ -18956,7 +19214,10 @@
               <a:buFont typeface="Wingdings" panose="05000000000000000000" pitchFamily="2" charset="2"/>
               <a:buChar char="Ø"/>
             </a:pPr>
-            <a:endParaRPr lang="fr-FR" sz="2400" dirty="0"/>
+            <a:r>
+              <a:rPr lang="fr-FR" sz="2400" dirty="0"/>
+              <a:t>Créer des utilisateurs admin spécifiques avec un nom d’utilisateur et un mot de passe </a:t>
+            </a:r>
           </a:p>
           <a:p>
             <a:pPr lvl="1">
@@ -18965,7 +19226,15 @@
             </a:pPr>
             <a:r>
               <a:rPr lang="fr-FR" sz="2400" dirty="0"/>
-              <a:t>Créer des utilisateurs admin spécifiques avec un nom d’utilisateur et un mot de passe </a:t>
+              <a:t>Mettre en place un proxy server entre l’applicatif, et le serveur de données </a:t>
+            </a:r>
+            <a:r>
+              <a:rPr lang="fr-FR" sz="2400" dirty="0" err="1"/>
+              <a:t>CouchDB</a:t>
+            </a:r>
+            <a:r>
+              <a:rPr lang="fr-FR" sz="2400" dirty="0"/>
+              <a:t> pour filtrer les requêtes utilisateurs</a:t>
             </a:r>
           </a:p>
         </p:txBody>
@@ -19052,7 +19321,7 @@
             <p:ph idx="1"/>
             <p:extLst>
               <p:ext uri="{D42A27DB-BD31-4B8C-83A1-F6EECF244321}">
-                <p14:modId xmlns:p14="http://schemas.microsoft.com/office/powerpoint/2010/main" val="350090681"/>
+                <p14:modId xmlns:p14="http://schemas.microsoft.com/office/powerpoint/2010/main" val="752513984"/>
               </p:ext>
             </p:extLst>
           </p:nvPr>
@@ -19143,24 +19412,14 @@
         </p:nvSpPr>
         <p:spPr/>
         <p:txBody>
-          <a:bodyPr/>
+          <a:bodyPr>
+            <a:normAutofit fontScale="85000" lnSpcReduction="10000"/>
+          </a:bodyPr>
           <a:lstStyle/>
           <a:p>
             <a:r>
               <a:rPr lang="fr-FR" dirty="0"/>
-              <a:t>Approfondir le lien entre les développeurs des langages Java Scripts et Erlang, en particulier aux niveaux des fonctionnalités des analyseurs.</a:t>
-            </a:r>
-          </a:p>
-          <a:p>
-            <a:r>
-              <a:rPr lang="fr-FR" dirty="0"/>
-              <a:t>Réaliser des simulations de déploiement communes</a:t>
-            </a:r>
-          </a:p>
-          <a:p>
-            <a:r>
-              <a:rPr lang="fr-FR" dirty="0"/>
-              <a:t>Gestionnaires d’erreurs</a:t>
+              <a:t>Approfondir le lien entre les développeurs des langages Java Scripts et Erlang, en particulier aux niveaux des fonctionnalités des analyseurs. Gestionnaires d’erreurs</a:t>
             </a:r>
           </a:p>
           <a:p>
@@ -19168,6 +19427,27 @@
               <a:rPr lang="fr-FR" dirty="0"/>
               <a:t>Réduire la surface d’attaque pour ne pas exposer des services, accès , points d’entrées </a:t>
             </a:r>
+          </a:p>
+          <a:p>
+            <a:r>
+              <a:rPr lang="fr-FR" dirty="0"/>
+              <a:t>Rechercher les failles de sécurité existantes et choisir la version la plus à jour … Concevoir le service qui permette de réaliser facilement des mises à jour</a:t>
+            </a:r>
+          </a:p>
+          <a:p>
+            <a:r>
+              <a:rPr lang="fr-FR" dirty="0"/>
+              <a:t>Avoir un journal de bord pour suivre les requêtes</a:t>
+            </a:r>
+          </a:p>
+          <a:p>
+            <a:r>
+              <a:rPr lang="fr-FR" dirty="0"/>
+              <a:t>Réaliser des simulations de déploiement communes (Pouvoir vérifier les droits d’accès en condition réelle utilisateur)</a:t>
+            </a:r>
+          </a:p>
+          <a:p>
+            <a:endParaRPr lang="fr-FR" dirty="0"/>
           </a:p>
         </p:txBody>
       </p:sp>

--- a/Présentation étude de faille CVE 2017-12635 ET 12636 ébauche.pptx
+++ b/Présentation étude de faille CVE 2017-12635 ET 12636 ébauche.pptx
@@ -5,10 +5,10 @@
     <p:sldMasterId id="2147483669" r:id="rId1"/>
   </p:sldMasterIdLst>
   <p:notesMasterIdLst>
-    <p:notesMasterId r:id="rId16"/>
+    <p:notesMasterId r:id="rId17"/>
   </p:notesMasterIdLst>
   <p:handoutMasterIdLst>
-    <p:handoutMasterId r:id="rId17"/>
+    <p:handoutMasterId r:id="rId18"/>
   </p:handoutMasterIdLst>
   <p:sldIdLst>
     <p:sldId id="256" r:id="rId2"/>
@@ -25,6 +25,7 @@
     <p:sldId id="273" r:id="rId13"/>
     <p:sldId id="276" r:id="rId14"/>
     <p:sldId id="274" r:id="rId15"/>
+    <p:sldId id="277" r:id="rId16"/>
   </p:sldIdLst>
   <p:sldSz cx="12192000" cy="6858000"/>
   <p:notesSz cx="6858000" cy="9144000"/>
@@ -1187,7 +1188,7 @@
           <a:r>
             <a:rPr lang="fr" dirty="0">
               <a:solidFill>
-                <a:srgbClr val="FF0000"/>
+                <a:schemeClr val="bg1"/>
               </a:solidFill>
               <a:latin typeface="Tahoma" panose="020B0604030504040204" pitchFamily="34" charset="0"/>
               <a:ea typeface="Tahoma" panose="020B0604030504040204" pitchFamily="34" charset="0"/>
@@ -1900,7 +1901,7 @@
           <a:r>
             <a:rPr lang="fr" sz="2000" kern="1200" dirty="0">
               <a:solidFill>
-                <a:srgbClr val="FF0000"/>
+                <a:schemeClr val="bg1"/>
               </a:solidFill>
               <a:latin typeface="Tahoma" panose="020B0604030504040204" pitchFamily="34" charset="0"/>
               <a:ea typeface="Tahoma" panose="020B0604030504040204" pitchFamily="34" charset="0"/>
@@ -3753,7 +3754,7 @@
           <a:p>
             <a:fld id="{8A502FC4-2826-4189-9A5A-4802B82D90F9}" type="datetimeFigureOut">
               <a:rPr lang="fr-FR" smtClean="0"/>
-              <a:t>17/05/2021</a:t>
+              <a:t>19/05/2021</a:t>
             </a:fld>
             <a:endParaRPr lang="fr-FR"/>
           </a:p>
@@ -3931,7 +3932,7 @@
           <a:p>
             <a:fld id="{9AEA84B2-E620-4EFC-AE95-6DDE4155F805}" type="datetimeFigureOut">
               <a:rPr lang="fr-FR" noProof="0" smtClean="0"/>
-              <a:t>17/05/2021</a:t>
+              <a:t>19/05/2021</a:t>
             </a:fld>
             <a:endParaRPr lang="fr-FR" noProof="0"/>
           </a:p>
@@ -4424,7 +4425,7 @@
           <a:noFill/>
           <a:extLst>
             <a:ext uri="{909E8E84-426E-40dd-AFC4-6F175D3DCCD1}">
-              <a14:hiddenFill xmlns:a14="http://schemas.microsoft.com/office/drawing/2010/main" xmlns="">
+              <a14:hiddenFill xmlns="" xmlns:a14="http://schemas.microsoft.com/office/drawing/2010/main">
                 <a:solidFill>
                   <a:srgbClr val="FFFFFF"/>
                 </a:solidFill>
@@ -4483,7 +4484,7 @@
             </a:ln>
             <a:extLst>
               <a:ext uri="{91240B29-F687-4f45-9708-019B960494DF}">
-                <a14:hiddenLine xmlns:a14="http://schemas.microsoft.com/office/drawing/2010/main" xmlns="" w="9525">
+                <a14:hiddenLine xmlns="" xmlns:a14="http://schemas.microsoft.com/office/drawing/2010/main" w="9525">
                   <a:solidFill>
                     <a:srgbClr val="000000"/>
                   </a:solidFill>
@@ -4573,7 +4574,7 @@
             </a:ln>
             <a:extLst>
               <a:ext uri="{91240B29-F687-4f45-9708-019B960494DF}">
-                <a14:hiddenLine xmlns:a14="http://schemas.microsoft.com/office/drawing/2010/main" xmlns="" w="9525">
+                <a14:hiddenLine xmlns="" xmlns:a14="http://schemas.microsoft.com/office/drawing/2010/main" w="9525">
                   <a:solidFill>
                     <a:srgbClr val="000000"/>
                   </a:solidFill>
@@ -4663,7 +4664,7 @@
             </a:ln>
             <a:extLst>
               <a:ext uri="{91240B29-F687-4f45-9708-019B960494DF}">
-                <a14:hiddenLine xmlns:a14="http://schemas.microsoft.com/office/drawing/2010/main" xmlns="" w="9525">
+                <a14:hiddenLine xmlns="" xmlns:a14="http://schemas.microsoft.com/office/drawing/2010/main" w="9525">
                   <a:solidFill>
                     <a:srgbClr val="000000"/>
                   </a:solidFill>
@@ -4697,7 +4698,7 @@
             </a:ln>
             <a:extLst>
               <a:ext uri="{91240B29-F687-4f45-9708-019B960494DF}">
-                <a14:hiddenLine xmlns:a14="http://schemas.microsoft.com/office/drawing/2010/main" xmlns="" w="9525">
+                <a14:hiddenLine xmlns="" xmlns:a14="http://schemas.microsoft.com/office/drawing/2010/main" w="9525">
                   <a:solidFill>
                     <a:srgbClr val="000000"/>
                   </a:solidFill>
@@ -4787,7 +4788,7 @@
             </a:ln>
             <a:extLst>
               <a:ext uri="{91240B29-F687-4f45-9708-019B960494DF}">
-                <a14:hiddenLine xmlns:a14="http://schemas.microsoft.com/office/drawing/2010/main" xmlns="" w="9525">
+                <a14:hiddenLine xmlns="" xmlns:a14="http://schemas.microsoft.com/office/drawing/2010/main" w="9525">
                   <a:solidFill>
                     <a:srgbClr val="000000"/>
                   </a:solidFill>
@@ -4849,7 +4850,7 @@
             </a:ln>
             <a:extLst>
               <a:ext uri="{91240B29-F687-4f45-9708-019B960494DF}">
-                <a14:hiddenLine xmlns:a14="http://schemas.microsoft.com/office/drawing/2010/main" xmlns="" w="9525">
+                <a14:hiddenLine xmlns="" xmlns:a14="http://schemas.microsoft.com/office/drawing/2010/main" w="9525">
                   <a:solidFill>
                     <a:srgbClr val="000000"/>
                   </a:solidFill>
@@ -4911,7 +4912,7 @@
             </a:ln>
             <a:extLst>
               <a:ext uri="{91240B29-F687-4f45-9708-019B960494DF}">
-                <a14:hiddenLine xmlns:a14="http://schemas.microsoft.com/office/drawing/2010/main" xmlns="" w="9525">
+                <a14:hiddenLine xmlns="" xmlns:a14="http://schemas.microsoft.com/office/drawing/2010/main" w="9525">
                   <a:solidFill>
                     <a:srgbClr val="000000"/>
                   </a:solidFill>
@@ -5001,7 +5002,7 @@
             </a:ln>
             <a:extLst>
               <a:ext uri="{91240B29-F687-4f45-9708-019B960494DF}">
-                <a14:hiddenLine xmlns:a14="http://schemas.microsoft.com/office/drawing/2010/main" xmlns="" w="9525">
+                <a14:hiddenLine xmlns="" xmlns:a14="http://schemas.microsoft.com/office/drawing/2010/main" w="9525">
                   <a:solidFill>
                     <a:srgbClr val="000000"/>
                   </a:solidFill>
@@ -5063,7 +5064,7 @@
             </a:ln>
             <a:extLst>
               <a:ext uri="{91240B29-F687-4f45-9708-019B960494DF}">
-                <a14:hiddenLine xmlns:a14="http://schemas.microsoft.com/office/drawing/2010/main" xmlns="" w="9525">
+                <a14:hiddenLine xmlns="" xmlns:a14="http://schemas.microsoft.com/office/drawing/2010/main" w="9525">
                   <a:solidFill>
                     <a:srgbClr val="000000"/>
                   </a:solidFill>
@@ -5125,7 +5126,7 @@
             </a:ln>
             <a:extLst>
               <a:ext uri="{91240B29-F687-4f45-9708-019B960494DF}">
-                <a14:hiddenLine xmlns:a14="http://schemas.microsoft.com/office/drawing/2010/main" xmlns="" w="9525">
+                <a14:hiddenLine xmlns="" xmlns:a14="http://schemas.microsoft.com/office/drawing/2010/main" w="9525">
                   <a:solidFill>
                     <a:srgbClr val="000000"/>
                   </a:solidFill>
@@ -5215,7 +5216,7 @@
             </a:ln>
             <a:extLst>
               <a:ext uri="{91240B29-F687-4f45-9708-019B960494DF}">
-                <a14:hiddenLine xmlns:a14="http://schemas.microsoft.com/office/drawing/2010/main" xmlns="" w="9525">
+                <a14:hiddenLine xmlns="" xmlns:a14="http://schemas.microsoft.com/office/drawing/2010/main" w="9525">
                   <a:solidFill>
                     <a:srgbClr val="000000"/>
                   </a:solidFill>
@@ -5305,7 +5306,7 @@
             </a:ln>
             <a:extLst>
               <a:ext uri="{91240B29-F687-4f45-9708-019B960494DF}">
-                <a14:hiddenLine xmlns:a14="http://schemas.microsoft.com/office/drawing/2010/main" xmlns="" w="9525">
+                <a14:hiddenLine xmlns="" xmlns:a14="http://schemas.microsoft.com/office/drawing/2010/main" w="9525">
                   <a:solidFill>
                     <a:srgbClr val="000000"/>
                   </a:solidFill>
@@ -5367,7 +5368,7 @@
             </a:ln>
             <a:extLst>
               <a:ext uri="{91240B29-F687-4f45-9708-019B960494DF}">
-                <a14:hiddenLine xmlns:a14="http://schemas.microsoft.com/office/drawing/2010/main" xmlns="" w="9525">
+                <a14:hiddenLine xmlns="" xmlns:a14="http://schemas.microsoft.com/office/drawing/2010/main" w="9525">
                   <a:solidFill>
                     <a:srgbClr val="000000"/>
                   </a:solidFill>
@@ -5477,7 +5478,7 @@
             </a:ln>
             <a:extLst>
               <a:ext uri="{91240B29-F687-4f45-9708-019B960494DF}">
-                <a14:hiddenLine xmlns:a14="http://schemas.microsoft.com/office/drawing/2010/main" xmlns="" w="9525">
+                <a14:hiddenLine xmlns="" xmlns:a14="http://schemas.microsoft.com/office/drawing/2010/main" w="9525">
                   <a:solidFill>
                     <a:srgbClr val="000000"/>
                   </a:solidFill>
@@ -5539,7 +5540,7 @@
             </a:ln>
             <a:extLst>
               <a:ext uri="{91240B29-F687-4f45-9708-019B960494DF}">
-                <a14:hiddenLine xmlns:a14="http://schemas.microsoft.com/office/drawing/2010/main" xmlns="" w="9525">
+                <a14:hiddenLine xmlns="" xmlns:a14="http://schemas.microsoft.com/office/drawing/2010/main" w="9525">
                   <a:solidFill>
                     <a:srgbClr val="000000"/>
                   </a:solidFill>
@@ -5629,7 +5630,7 @@
             </a:ln>
             <a:extLst>
               <a:ext uri="{91240B29-F687-4f45-9708-019B960494DF}">
-                <a14:hiddenLine xmlns:a14="http://schemas.microsoft.com/office/drawing/2010/main" xmlns="" w="9525">
+                <a14:hiddenLine xmlns="" xmlns:a14="http://schemas.microsoft.com/office/drawing/2010/main" w="9525">
                   <a:solidFill>
                     <a:srgbClr val="000000"/>
                   </a:solidFill>
@@ -5719,7 +5720,7 @@
             </a:ln>
             <a:extLst>
               <a:ext uri="{91240B29-F687-4f45-9708-019B960494DF}">
-                <a14:hiddenLine xmlns:a14="http://schemas.microsoft.com/office/drawing/2010/main" xmlns="" w="9525">
+                <a14:hiddenLine xmlns="" xmlns:a14="http://schemas.microsoft.com/office/drawing/2010/main" w="9525">
                   <a:solidFill>
                     <a:srgbClr val="000000"/>
                   </a:solidFill>
@@ -5781,7 +5782,7 @@
             </a:ln>
             <a:extLst>
               <a:ext uri="{91240B29-F687-4f45-9708-019B960494DF}">
-                <a14:hiddenLine xmlns:a14="http://schemas.microsoft.com/office/drawing/2010/main" xmlns="" w="9525">
+                <a14:hiddenLine xmlns="" xmlns:a14="http://schemas.microsoft.com/office/drawing/2010/main" w="9525">
                   <a:solidFill>
                     <a:srgbClr val="000000"/>
                   </a:solidFill>
@@ -5871,7 +5872,7 @@
             </a:ln>
             <a:extLst>
               <a:ext uri="{91240B29-F687-4f45-9708-019B960494DF}">
-                <a14:hiddenLine xmlns:a14="http://schemas.microsoft.com/office/drawing/2010/main" xmlns="" w="9525">
+                <a14:hiddenLine xmlns="" xmlns:a14="http://schemas.microsoft.com/office/drawing/2010/main" w="9525">
                   <a:solidFill>
                     <a:srgbClr val="000000"/>
                   </a:solidFill>
@@ -5961,7 +5962,7 @@
             </a:ln>
             <a:extLst>
               <a:ext uri="{91240B29-F687-4f45-9708-019B960494DF}">
-                <a14:hiddenLine xmlns:a14="http://schemas.microsoft.com/office/drawing/2010/main" xmlns="" w="9525">
+                <a14:hiddenLine xmlns="" xmlns:a14="http://schemas.microsoft.com/office/drawing/2010/main" w="9525">
                   <a:solidFill>
                     <a:srgbClr val="000000"/>
                   </a:solidFill>
@@ -6017,7 +6018,7 @@
             </a:ln>
             <a:extLst>
               <a:ext uri="{91240B29-F687-4f45-9708-019B960494DF}">
-                <a14:hiddenLine xmlns:a14="http://schemas.microsoft.com/office/drawing/2010/main" xmlns="" w="9525">
+                <a14:hiddenLine xmlns="" xmlns:a14="http://schemas.microsoft.com/office/drawing/2010/main" w="9525">
                   <a:solidFill>
                     <a:srgbClr val="000000"/>
                   </a:solidFill>
@@ -6107,7 +6108,7 @@
             </a:ln>
             <a:extLst>
               <a:ext uri="{91240B29-F687-4f45-9708-019B960494DF}">
-                <a14:hiddenLine xmlns:a14="http://schemas.microsoft.com/office/drawing/2010/main" xmlns="" w="9525">
+                <a14:hiddenLine xmlns="" xmlns:a14="http://schemas.microsoft.com/office/drawing/2010/main" w="9525">
                   <a:solidFill>
                     <a:srgbClr val="000000"/>
                   </a:solidFill>
@@ -6163,7 +6164,7 @@
             </a:ln>
             <a:extLst>
               <a:ext uri="{91240B29-F687-4f45-9708-019B960494DF}">
-                <a14:hiddenLine xmlns:a14="http://schemas.microsoft.com/office/drawing/2010/main" xmlns="" w="9525">
+                <a14:hiddenLine xmlns="" xmlns:a14="http://schemas.microsoft.com/office/drawing/2010/main" w="9525">
                   <a:solidFill>
                     <a:srgbClr val="000000"/>
                   </a:solidFill>
@@ -6253,7 +6254,7 @@
             </a:ln>
             <a:extLst>
               <a:ext uri="{91240B29-F687-4f45-9708-019B960494DF}">
-                <a14:hiddenLine xmlns:a14="http://schemas.microsoft.com/office/drawing/2010/main" xmlns="" w="9525">
+                <a14:hiddenLine xmlns="" xmlns:a14="http://schemas.microsoft.com/office/drawing/2010/main" w="9525">
                   <a:solidFill>
                     <a:srgbClr val="000000"/>
                   </a:solidFill>
@@ -6321,7 +6322,7 @@
             </a:ln>
             <a:extLst>
               <a:ext uri="{91240B29-F687-4f45-9708-019B960494DF}">
-                <a14:hiddenLine xmlns:a14="http://schemas.microsoft.com/office/drawing/2010/main" xmlns="" w="9525">
+                <a14:hiddenLine xmlns="" xmlns:a14="http://schemas.microsoft.com/office/drawing/2010/main" w="9525">
                   <a:solidFill>
                     <a:srgbClr val="000000"/>
                   </a:solidFill>
@@ -6411,7 +6412,7 @@
             </a:ln>
             <a:extLst>
               <a:ext uri="{91240B29-F687-4f45-9708-019B960494DF}">
-                <a14:hiddenLine xmlns:a14="http://schemas.microsoft.com/office/drawing/2010/main" xmlns="" w="9525">
+                <a14:hiddenLine xmlns="" xmlns:a14="http://schemas.microsoft.com/office/drawing/2010/main" w="9525">
                   <a:solidFill>
                     <a:srgbClr val="000000"/>
                   </a:solidFill>
@@ -6479,7 +6480,7 @@
             </a:ln>
             <a:extLst>
               <a:ext uri="{91240B29-F687-4f45-9708-019B960494DF}">
-                <a14:hiddenLine xmlns:a14="http://schemas.microsoft.com/office/drawing/2010/main" xmlns="" w="9525">
+                <a14:hiddenLine xmlns="" xmlns:a14="http://schemas.microsoft.com/office/drawing/2010/main" w="9525">
                   <a:solidFill>
                     <a:srgbClr val="000000"/>
                   </a:solidFill>
@@ -6569,7 +6570,7 @@
             </a:ln>
             <a:extLst>
               <a:ext uri="{91240B29-F687-4f45-9708-019B960494DF}">
-                <a14:hiddenLine xmlns:a14="http://schemas.microsoft.com/office/drawing/2010/main" xmlns="" w="9525">
+                <a14:hiddenLine xmlns="" xmlns:a14="http://schemas.microsoft.com/office/drawing/2010/main" w="9525">
                   <a:solidFill>
                     <a:srgbClr val="000000"/>
                   </a:solidFill>
@@ -6603,7 +6604,7 @@
             </a:ln>
             <a:extLst>
               <a:ext uri="{91240B29-F687-4f45-9708-019B960494DF}">
-                <a14:hiddenLine xmlns:a14="http://schemas.microsoft.com/office/drawing/2010/main" xmlns="" w="9525">
+                <a14:hiddenLine xmlns="" xmlns:a14="http://schemas.microsoft.com/office/drawing/2010/main" w="9525">
                   <a:solidFill>
                     <a:srgbClr val="000000"/>
                   </a:solidFill>
@@ -6693,7 +6694,7 @@
             </a:ln>
             <a:extLst>
               <a:ext uri="{91240B29-F687-4f45-9708-019B960494DF}">
-                <a14:hiddenLine xmlns:a14="http://schemas.microsoft.com/office/drawing/2010/main" xmlns="" w="9525">
+                <a14:hiddenLine xmlns="" xmlns:a14="http://schemas.microsoft.com/office/drawing/2010/main" w="9525">
                   <a:solidFill>
                     <a:srgbClr val="000000"/>
                   </a:solidFill>
@@ -6755,7 +6756,7 @@
             </a:ln>
             <a:extLst>
               <a:ext uri="{91240B29-F687-4f45-9708-019B960494DF}">
-                <a14:hiddenLine xmlns:a14="http://schemas.microsoft.com/office/drawing/2010/main" xmlns="" w="9525">
+                <a14:hiddenLine xmlns="" xmlns:a14="http://schemas.microsoft.com/office/drawing/2010/main" w="9525">
                   <a:solidFill>
                     <a:srgbClr val="000000"/>
                   </a:solidFill>
@@ -6817,7 +6818,7 @@
             </a:ln>
             <a:extLst>
               <a:ext uri="{91240B29-F687-4f45-9708-019B960494DF}">
-                <a14:hiddenLine xmlns:a14="http://schemas.microsoft.com/office/drawing/2010/main" xmlns="" w="9525">
+                <a14:hiddenLine xmlns="" xmlns:a14="http://schemas.microsoft.com/office/drawing/2010/main" w="9525">
                   <a:solidFill>
                     <a:srgbClr val="000000"/>
                   </a:solidFill>
@@ -6907,7 +6908,7 @@
             </a:ln>
             <a:extLst>
               <a:ext uri="{91240B29-F687-4f45-9708-019B960494DF}">
-                <a14:hiddenLine xmlns:a14="http://schemas.microsoft.com/office/drawing/2010/main" xmlns="" w="9525">
+                <a14:hiddenLine xmlns="" xmlns:a14="http://schemas.microsoft.com/office/drawing/2010/main" w="9525">
                   <a:solidFill>
                     <a:srgbClr val="000000"/>
                   </a:solidFill>
@@ -6975,7 +6976,7 @@
             </a:ln>
             <a:extLst>
               <a:ext uri="{91240B29-F687-4f45-9708-019B960494DF}">
-                <a14:hiddenLine xmlns:a14="http://schemas.microsoft.com/office/drawing/2010/main" xmlns="" w="9525">
+                <a14:hiddenLine xmlns="" xmlns:a14="http://schemas.microsoft.com/office/drawing/2010/main" w="9525">
                   <a:solidFill>
                     <a:srgbClr val="000000"/>
                   </a:solidFill>
@@ -7037,7 +7038,7 @@
             </a:ln>
             <a:extLst>
               <a:ext uri="{91240B29-F687-4f45-9708-019B960494DF}">
-                <a14:hiddenLine xmlns:a14="http://schemas.microsoft.com/office/drawing/2010/main" xmlns="" w="9525">
+                <a14:hiddenLine xmlns="" xmlns:a14="http://schemas.microsoft.com/office/drawing/2010/main" w="9525">
                   <a:solidFill>
                     <a:srgbClr val="000000"/>
                   </a:solidFill>
@@ -7127,7 +7128,7 @@
             </a:ln>
             <a:extLst>
               <a:ext uri="{91240B29-F687-4f45-9708-019B960494DF}">
-                <a14:hiddenLine xmlns:a14="http://schemas.microsoft.com/office/drawing/2010/main" xmlns="" w="9525">
+                <a14:hiddenLine xmlns="" xmlns:a14="http://schemas.microsoft.com/office/drawing/2010/main" w="9525">
                   <a:solidFill>
                     <a:srgbClr val="000000"/>
                   </a:solidFill>
@@ -7189,7 +7190,7 @@
             </a:ln>
             <a:extLst>
               <a:ext uri="{91240B29-F687-4f45-9708-019B960494DF}">
-                <a14:hiddenLine xmlns:a14="http://schemas.microsoft.com/office/drawing/2010/main" xmlns="" w="9525">
+                <a14:hiddenLine xmlns="" xmlns:a14="http://schemas.microsoft.com/office/drawing/2010/main" w="9525">
                   <a:solidFill>
                     <a:srgbClr val="000000"/>
                   </a:solidFill>
@@ -7279,7 +7280,7 @@
             </a:ln>
             <a:extLst>
               <a:ext uri="{91240B29-F687-4f45-9708-019B960494DF}">
-                <a14:hiddenLine xmlns:a14="http://schemas.microsoft.com/office/drawing/2010/main" xmlns="" w="9525">
+                <a14:hiddenLine xmlns="" xmlns:a14="http://schemas.microsoft.com/office/drawing/2010/main" w="9525">
                   <a:solidFill>
                     <a:srgbClr val="000000"/>
                   </a:solidFill>
@@ -7341,7 +7342,7 @@
             </a:ln>
             <a:extLst>
               <a:ext uri="{91240B29-F687-4f45-9708-019B960494DF}">
-                <a14:hiddenLine xmlns:a14="http://schemas.microsoft.com/office/drawing/2010/main" xmlns="" w="9525">
+                <a14:hiddenLine xmlns="" xmlns:a14="http://schemas.microsoft.com/office/drawing/2010/main" w="9525">
                   <a:solidFill>
                     <a:srgbClr val="000000"/>
                   </a:solidFill>
@@ -7431,7 +7432,7 @@
             </a:ln>
             <a:extLst>
               <a:ext uri="{91240B29-F687-4f45-9708-019B960494DF}">
-                <a14:hiddenLine xmlns:a14="http://schemas.microsoft.com/office/drawing/2010/main" xmlns="" w="9525">
+                <a14:hiddenLine xmlns="" xmlns:a14="http://schemas.microsoft.com/office/drawing/2010/main" w="9525">
                   <a:solidFill>
                     <a:srgbClr val="000000"/>
                   </a:solidFill>
@@ -7465,7 +7466,7 @@
             </a:ln>
             <a:extLst>
               <a:ext uri="{91240B29-F687-4f45-9708-019B960494DF}">
-                <a14:hiddenLine xmlns:a14="http://schemas.microsoft.com/office/drawing/2010/main" xmlns="" w="9525">
+                <a14:hiddenLine xmlns="" xmlns:a14="http://schemas.microsoft.com/office/drawing/2010/main" w="9525">
                   <a:solidFill>
                     <a:srgbClr val="000000"/>
                   </a:solidFill>
@@ -7530,7 +7531,7 @@
             </a:ln>
             <a:extLst>
               <a:ext uri="{91240B29-F687-4f45-9708-019B960494DF}">
-                <a14:hiddenLine xmlns:a14="http://schemas.microsoft.com/office/drawing/2010/main" xmlns="" w="9525">
+                <a14:hiddenLine xmlns="" xmlns:a14="http://schemas.microsoft.com/office/drawing/2010/main" w="9525">
                   <a:solidFill>
                     <a:srgbClr val="000000"/>
                   </a:solidFill>
@@ -7620,7 +7621,7 @@
             </a:ln>
             <a:extLst>
               <a:ext uri="{91240B29-F687-4f45-9708-019B960494DF}">
-                <a14:hiddenLine xmlns:a14="http://schemas.microsoft.com/office/drawing/2010/main" xmlns="" w="9525">
+                <a14:hiddenLine xmlns="" xmlns:a14="http://schemas.microsoft.com/office/drawing/2010/main" w="9525">
                   <a:solidFill>
                     <a:srgbClr val="000000"/>
                   </a:solidFill>
@@ -7682,7 +7683,7 @@
             </a:ln>
             <a:extLst>
               <a:ext uri="{91240B29-F687-4f45-9708-019B960494DF}">
-                <a14:hiddenLine xmlns:a14="http://schemas.microsoft.com/office/drawing/2010/main" xmlns="" w="9525">
+                <a14:hiddenLine xmlns="" xmlns:a14="http://schemas.microsoft.com/office/drawing/2010/main" w="9525">
                   <a:solidFill>
                     <a:srgbClr val="000000"/>
                   </a:solidFill>
@@ -7772,7 +7773,7 @@
             </a:ln>
             <a:extLst>
               <a:ext uri="{91240B29-F687-4f45-9708-019B960494DF}">
-                <a14:hiddenLine xmlns:a14="http://schemas.microsoft.com/office/drawing/2010/main" xmlns="" w="9525">
+                <a14:hiddenLine xmlns="" xmlns:a14="http://schemas.microsoft.com/office/drawing/2010/main" w="9525">
                   <a:solidFill>
                     <a:srgbClr val="000000"/>
                   </a:solidFill>
@@ -7862,7 +7863,7 @@
             </a:ln>
             <a:extLst>
               <a:ext uri="{91240B29-F687-4f45-9708-019B960494DF}">
-                <a14:hiddenLine xmlns:a14="http://schemas.microsoft.com/office/drawing/2010/main" xmlns="" w="9525">
+                <a14:hiddenLine xmlns="" xmlns:a14="http://schemas.microsoft.com/office/drawing/2010/main" w="9525">
                   <a:solidFill>
                     <a:srgbClr val="000000"/>
                   </a:solidFill>
@@ -7927,7 +7928,7 @@
             </a:ln>
             <a:extLst>
               <a:ext uri="{91240B29-F687-4f45-9708-019B960494DF}">
-                <a14:hiddenLine xmlns:a14="http://schemas.microsoft.com/office/drawing/2010/main" xmlns="" w="9525">
+                <a14:hiddenLine xmlns="" xmlns:a14="http://schemas.microsoft.com/office/drawing/2010/main" w="9525">
                   <a:solidFill>
                     <a:srgbClr val="000000"/>
                   </a:solidFill>
@@ -7989,7 +7990,7 @@
             </a:ln>
             <a:extLst>
               <a:ext uri="{91240B29-F687-4f45-9708-019B960494DF}">
-                <a14:hiddenLine xmlns:a14="http://schemas.microsoft.com/office/drawing/2010/main" xmlns="" w="9525">
+                <a14:hiddenLine xmlns="" xmlns:a14="http://schemas.microsoft.com/office/drawing/2010/main" w="9525">
                   <a:solidFill>
                     <a:srgbClr val="000000"/>
                   </a:solidFill>
@@ -8079,7 +8080,7 @@
             </a:ln>
             <a:extLst>
               <a:ext uri="{91240B29-F687-4f45-9708-019B960494DF}">
-                <a14:hiddenLine xmlns:a14="http://schemas.microsoft.com/office/drawing/2010/main" xmlns="" w="9525">
+                <a14:hiddenLine xmlns="" xmlns:a14="http://schemas.microsoft.com/office/drawing/2010/main" w="9525">
                   <a:solidFill>
                     <a:srgbClr val="000000"/>
                   </a:solidFill>
@@ -8169,7 +8170,7 @@
             </a:ln>
             <a:extLst>
               <a:ext uri="{91240B29-F687-4f45-9708-019B960494DF}">
-                <a14:hiddenLine xmlns:a14="http://schemas.microsoft.com/office/drawing/2010/main" xmlns="" w="9525">
+                <a14:hiddenLine xmlns="" xmlns:a14="http://schemas.microsoft.com/office/drawing/2010/main" w="9525">
                   <a:solidFill>
                     <a:srgbClr val="000000"/>
                   </a:solidFill>
@@ -8231,7 +8232,7 @@
             </a:ln>
             <a:extLst>
               <a:ext uri="{91240B29-F687-4f45-9708-019B960494DF}">
-                <a14:hiddenLine xmlns:a14="http://schemas.microsoft.com/office/drawing/2010/main" xmlns="" w="9525">
+                <a14:hiddenLine xmlns="" xmlns:a14="http://schemas.microsoft.com/office/drawing/2010/main" w="9525">
                   <a:solidFill>
                     <a:srgbClr val="000000"/>
                   </a:solidFill>
@@ -8351,7 +8352,7 @@
             </a:ln>
             <a:extLst>
               <a:ext uri="{91240B29-F687-4f45-9708-019B960494DF}">
-                <a14:hiddenLine xmlns:a14="http://schemas.microsoft.com/office/drawing/2010/main" xmlns="" w="9525">
+                <a14:hiddenLine xmlns="" xmlns:a14="http://schemas.microsoft.com/office/drawing/2010/main" w="9525">
                   <a:solidFill>
                     <a:srgbClr val="000000"/>
                   </a:solidFill>
@@ -8419,7 +8420,7 @@
             </a:ln>
             <a:extLst>
               <a:ext uri="{91240B29-F687-4f45-9708-019B960494DF}">
-                <a14:hiddenLine xmlns:a14="http://schemas.microsoft.com/office/drawing/2010/main" xmlns="" w="9525">
+                <a14:hiddenLine xmlns="" xmlns:a14="http://schemas.microsoft.com/office/drawing/2010/main" w="9525">
                   <a:solidFill>
                     <a:srgbClr val="000000"/>
                   </a:solidFill>
@@ -8509,7 +8510,7 @@
             </a:ln>
             <a:extLst>
               <a:ext uri="{91240B29-F687-4f45-9708-019B960494DF}">
-                <a14:hiddenLine xmlns:a14="http://schemas.microsoft.com/office/drawing/2010/main" xmlns="" w="9525">
+                <a14:hiddenLine xmlns="" xmlns:a14="http://schemas.microsoft.com/office/drawing/2010/main" w="9525">
                   <a:solidFill>
                     <a:srgbClr val="000000"/>
                   </a:solidFill>
@@ -8650,7 +8651,7 @@
             <a:pPr rtl="0"/>
             <a:fld id="{A02EAC81-5C99-4864-A0E8-CFA5C9ABA6C2}" type="datetime1">
               <a:rPr lang="fr-FR" noProof="0" smtClean="0"/>
-              <a:t>17/05/2021</a:t>
+              <a:t>19/05/2021</a:t>
             </a:fld>
             <a:endParaRPr lang="fr-FR" noProof="0"/>
           </a:p>
@@ -8919,7 +8920,7 @@
             <a:pPr rtl="0"/>
             <a:fld id="{0ACE44FF-5CD6-4B82-B1F5-6AE86C9907EB}" type="datetime1">
               <a:rPr lang="fr-FR" noProof="0" smtClean="0"/>
-              <a:t>17/05/2021</a:t>
+              <a:t>19/05/2021</a:t>
             </a:fld>
             <a:endParaRPr lang="fr-FR" noProof="0"/>
           </a:p>
@@ -9118,7 +9119,7 @@
             <a:pPr rtl="0"/>
             <a:fld id="{9B3B6F96-1DBA-403E-937D-37819E106CA7}" type="datetime1">
               <a:rPr lang="fr-FR" noProof="0" smtClean="0"/>
-              <a:t>17/05/2021</a:t>
+              <a:t>19/05/2021</a:t>
             </a:fld>
             <a:endParaRPr lang="fr-FR" noProof="0"/>
           </a:p>
@@ -9384,7 +9385,7 @@
             <a:pPr rtl="0"/>
             <a:fld id="{55413907-E3EB-48AE-AB86-05A8E02730C7}" type="datetime1">
               <a:rPr lang="fr-FR" noProof="0" smtClean="0"/>
-              <a:t>17/05/2021</a:t>
+              <a:t>19/05/2021</a:t>
             </a:fld>
             <a:endParaRPr lang="fr-FR" noProof="0"/>
           </a:p>
@@ -9821,7 +9822,7 @@
             <a:pPr rtl="0"/>
             <a:fld id="{72A7BD87-4162-417A-9B5A-2932BA9F7490}" type="datetime1">
               <a:rPr lang="fr-FR" noProof="0" smtClean="0"/>
-              <a:t>17/05/2021</a:t>
+              <a:t>19/05/2021</a:t>
             </a:fld>
             <a:endParaRPr lang="fr-FR" noProof="0"/>
           </a:p>
@@ -10370,7 +10371,7 @@
             <a:pPr rtl="0"/>
             <a:fld id="{20004DDE-15BB-4C4D-B4EA-C083161A9948}" type="datetime1">
               <a:rPr lang="fr-FR" noProof="0" smtClean="0"/>
-              <a:t>17/05/2021</a:t>
+              <a:t>19/05/2021</a:t>
             </a:fld>
             <a:endParaRPr lang="fr-FR" noProof="0"/>
           </a:p>
@@ -11090,7 +11091,7 @@
             <a:pPr rtl="0"/>
             <a:fld id="{9E1F3B7E-0513-428C-82D7-BDF3AA9A4EA5}" type="datetime1">
               <a:rPr lang="fr-FR" noProof="0" smtClean="0"/>
-              <a:t>17/05/2021</a:t>
+              <a:t>19/05/2021</a:t>
             </a:fld>
             <a:endParaRPr lang="fr-FR" noProof="0"/>
           </a:p>
@@ -11262,7 +11263,7 @@
             <a:pPr rtl="0"/>
             <a:fld id="{F2372795-7EAB-4160-A1B0-2F422ABD8E89}" type="datetime1">
               <a:rPr lang="fr-FR" noProof="0" smtClean="0"/>
-              <a:t>17/05/2021</a:t>
+              <a:t>19/05/2021</a:t>
             </a:fld>
             <a:endParaRPr lang="fr-FR" noProof="0"/>
           </a:p>
@@ -11444,7 +11445,7 @@
             <a:pPr rtl="0"/>
             <a:fld id="{4C2BF765-708F-4989-AE14-BAB9493E4588}" type="datetime1">
               <a:rPr lang="fr-FR" noProof="0" smtClean="0"/>
-              <a:t>17/05/2021</a:t>
+              <a:t>19/05/2021</a:t>
             </a:fld>
             <a:endParaRPr lang="fr-FR" noProof="0"/>
           </a:p>
@@ -11616,7 +11617,7 @@
             <a:pPr rtl="0"/>
             <a:fld id="{601D7A6B-BCC2-4C21-BAE3-6AF1B840E56D}" type="datetime1">
               <a:rPr lang="fr-FR" noProof="0" smtClean="0"/>
-              <a:t>17/05/2021</a:t>
+              <a:t>19/05/2021</a:t>
             </a:fld>
             <a:endParaRPr lang="fr-FR" noProof="0"/>
           </a:p>
@@ -11869,7 +11870,7 @@
             <a:pPr rtl="0"/>
             <a:fld id="{0635DD21-33A0-42C5-A2E5-7493465514B7}" type="datetime1">
               <a:rPr lang="fr-FR" noProof="0" smtClean="0"/>
-              <a:t>17/05/2021</a:t>
+              <a:t>19/05/2021</a:t>
             </a:fld>
             <a:endParaRPr lang="fr-FR" noProof="0"/>
           </a:p>
@@ -12102,7 +12103,7 @@
             <a:pPr rtl="0"/>
             <a:fld id="{E8BC33FA-CEBE-4502-9F9B-2F0989154353}" type="datetime1">
               <a:rPr lang="fr-FR" noProof="0" smtClean="0"/>
-              <a:t>17/05/2021</a:t>
+              <a:t>19/05/2021</a:t>
             </a:fld>
             <a:endParaRPr lang="fr-FR" noProof="0"/>
           </a:p>
@@ -12484,7 +12485,7 @@
             <a:pPr rtl="0"/>
             <a:fld id="{B3ECB3ED-4851-4DE7-9A6A-4D7485AC63E3}" type="datetime1">
               <a:rPr lang="fr-FR" noProof="0" smtClean="0"/>
-              <a:t>17/05/2021</a:t>
+              <a:t>19/05/2021</a:t>
             </a:fld>
             <a:endParaRPr lang="fr-FR" noProof="0"/>
           </a:p>
@@ -12605,7 +12606,7 @@
             <a:pPr rtl="0"/>
             <a:fld id="{DBDFEB93-A53E-490C-AF00-EDE3AFF9A36D}" type="datetime1">
               <a:rPr lang="fr-FR" noProof="0" smtClean="0"/>
-              <a:t>17/05/2021</a:t>
+              <a:t>19/05/2021</a:t>
             </a:fld>
             <a:endParaRPr lang="fr-FR" noProof="0"/>
           </a:p>
@@ -12703,7 +12704,7 @@
             <a:pPr rtl="0"/>
             <a:fld id="{969093F2-5574-4FF9-B1D2-E15C695A74EF}" type="datetime1">
               <a:rPr lang="fr-FR" noProof="0" smtClean="0"/>
-              <a:t>17/05/2021</a:t>
+              <a:t>19/05/2021</a:t>
             </a:fld>
             <a:endParaRPr lang="fr-FR" noProof="0"/>
           </a:p>
@@ -12954,7 +12955,7 @@
             <a:pPr rtl="0"/>
             <a:fld id="{575F6C24-568D-4917-863C-3B89D44003D5}" type="datetime1">
               <a:rPr lang="fr-FR" noProof="0" smtClean="0"/>
-              <a:t>17/05/2021</a:t>
+              <a:t>19/05/2021</a:t>
             </a:fld>
             <a:endParaRPr lang="fr-FR" noProof="0"/>
           </a:p>
@@ -13237,7 +13238,7 @@
             <a:pPr rtl="0"/>
             <a:fld id="{7A202532-655D-448B-BCCD-E52581A788ED}" type="datetime1">
               <a:rPr lang="fr-FR" noProof="0" smtClean="0"/>
-              <a:t>17/05/2021</a:t>
+              <a:t>19/05/2021</a:t>
             </a:fld>
             <a:endParaRPr lang="fr-FR" noProof="0"/>
           </a:p>
@@ -13362,7 +13363,7 @@
           <a:noFill/>
           <a:extLst>
             <a:ext uri="{909E8E84-426E-40dd-AFC4-6F175D3DCCD1}">
-              <a14:hiddenFill xmlns:a14="http://schemas.microsoft.com/office/drawing/2010/main" xmlns="">
+              <a14:hiddenFill xmlns="" xmlns:a14="http://schemas.microsoft.com/office/drawing/2010/main">
                 <a:solidFill>
                   <a:srgbClr val="FFFFFF"/>
                 </a:solidFill>
@@ -13436,7 +13437,7 @@
               </a:ln>
               <a:extLst>
                 <a:ext uri="{91240B29-F687-4f45-9708-019B960494DF}">
-                  <a14:hiddenLine xmlns:a14="http://schemas.microsoft.com/office/drawing/2010/main" xmlns="" w="9525">
+                  <a14:hiddenLine xmlns="" xmlns:a14="http://schemas.microsoft.com/office/drawing/2010/main" w="9525">
                     <a:solidFill>
                       <a:srgbClr val="000000"/>
                     </a:solidFill>
@@ -13526,7 +13527,7 @@
               </a:ln>
               <a:extLst>
                 <a:ext uri="{91240B29-F687-4f45-9708-019B960494DF}">
-                  <a14:hiddenLine xmlns:a14="http://schemas.microsoft.com/office/drawing/2010/main" xmlns="" w="9525">
+                  <a14:hiddenLine xmlns="" xmlns:a14="http://schemas.microsoft.com/office/drawing/2010/main" w="9525">
                     <a:solidFill>
                       <a:srgbClr val="000000"/>
                     </a:solidFill>
@@ -13616,7 +13617,7 @@
               </a:ln>
               <a:extLst>
                 <a:ext uri="{91240B29-F687-4f45-9708-019B960494DF}">
-                  <a14:hiddenLine xmlns:a14="http://schemas.microsoft.com/office/drawing/2010/main" xmlns="" w="9525">
+                  <a14:hiddenLine xmlns="" xmlns:a14="http://schemas.microsoft.com/office/drawing/2010/main" w="9525">
                     <a:solidFill>
                       <a:srgbClr val="000000"/>
                     </a:solidFill>
@@ -13678,7 +13679,7 @@
               </a:ln>
               <a:extLst>
                 <a:ext uri="{91240B29-F687-4f45-9708-019B960494DF}">
-                  <a14:hiddenLine xmlns:a14="http://schemas.microsoft.com/office/drawing/2010/main" xmlns="" w="9525">
+                  <a14:hiddenLine xmlns="" xmlns:a14="http://schemas.microsoft.com/office/drawing/2010/main" w="9525">
                     <a:solidFill>
                       <a:srgbClr val="000000"/>
                     </a:solidFill>
@@ -13768,7 +13769,7 @@
               </a:ln>
               <a:extLst>
                 <a:ext uri="{91240B29-F687-4f45-9708-019B960494DF}">
-                  <a14:hiddenLine xmlns:a14="http://schemas.microsoft.com/office/drawing/2010/main" xmlns="" w="9525">
+                  <a14:hiddenLine xmlns="" xmlns:a14="http://schemas.microsoft.com/office/drawing/2010/main" w="9525">
                     <a:solidFill>
                       <a:srgbClr val="000000"/>
                     </a:solidFill>
@@ -13830,7 +13831,7 @@
               </a:ln>
               <a:extLst>
                 <a:ext uri="{91240B29-F687-4f45-9708-019B960494DF}">
-                  <a14:hiddenLine xmlns:a14="http://schemas.microsoft.com/office/drawing/2010/main" xmlns="" w="9525">
+                  <a14:hiddenLine xmlns="" xmlns:a14="http://schemas.microsoft.com/office/drawing/2010/main" w="9525">
                     <a:solidFill>
                       <a:srgbClr val="000000"/>
                     </a:solidFill>
@@ -13892,7 +13893,7 @@
               </a:ln>
               <a:extLst>
                 <a:ext uri="{91240B29-F687-4f45-9708-019B960494DF}">
-                  <a14:hiddenLine xmlns:a14="http://schemas.microsoft.com/office/drawing/2010/main" xmlns="" w="9525">
+                  <a14:hiddenLine xmlns="" xmlns:a14="http://schemas.microsoft.com/office/drawing/2010/main" w="9525">
                     <a:solidFill>
                       <a:srgbClr val="000000"/>
                     </a:solidFill>
@@ -13982,7 +13983,7 @@
               </a:ln>
               <a:extLst>
                 <a:ext uri="{91240B29-F687-4f45-9708-019B960494DF}">
-                  <a14:hiddenLine xmlns:a14="http://schemas.microsoft.com/office/drawing/2010/main" xmlns="" w="9525">
+                  <a14:hiddenLine xmlns="" xmlns:a14="http://schemas.microsoft.com/office/drawing/2010/main" w="9525">
                     <a:solidFill>
                       <a:srgbClr val="000000"/>
                     </a:solidFill>
@@ -14072,7 +14073,7 @@
               </a:ln>
               <a:extLst>
                 <a:ext uri="{91240B29-F687-4f45-9708-019B960494DF}">
-                  <a14:hiddenLine xmlns:a14="http://schemas.microsoft.com/office/drawing/2010/main" xmlns="" w="9525">
+                  <a14:hiddenLine xmlns="" xmlns:a14="http://schemas.microsoft.com/office/drawing/2010/main" w="9525">
                     <a:solidFill>
                       <a:srgbClr val="000000"/>
                     </a:solidFill>
@@ -14134,7 +14135,7 @@
               </a:ln>
               <a:extLst>
                 <a:ext uri="{91240B29-F687-4f45-9708-019B960494DF}">
-                  <a14:hiddenLine xmlns:a14="http://schemas.microsoft.com/office/drawing/2010/main" xmlns="" w="9525">
+                  <a14:hiddenLine xmlns="" xmlns:a14="http://schemas.microsoft.com/office/drawing/2010/main" w="9525">
                     <a:solidFill>
                       <a:srgbClr val="000000"/>
                     </a:solidFill>
@@ -14244,7 +14245,7 @@
               </a:ln>
               <a:extLst>
                 <a:ext uri="{91240B29-F687-4f45-9708-019B960494DF}">
-                  <a14:hiddenLine xmlns:a14="http://schemas.microsoft.com/office/drawing/2010/main" xmlns="" w="9525">
+                  <a14:hiddenLine xmlns="" xmlns:a14="http://schemas.microsoft.com/office/drawing/2010/main" w="9525">
                     <a:solidFill>
                       <a:srgbClr val="000000"/>
                     </a:solidFill>
@@ -14328,7 +14329,7 @@
               </a:ln>
               <a:extLst>
                 <a:ext uri="{91240B29-F687-4f45-9708-019B960494DF}">
-                  <a14:hiddenLine xmlns:a14="http://schemas.microsoft.com/office/drawing/2010/main" xmlns="" w="9525">
+                  <a14:hiddenLine xmlns="" xmlns:a14="http://schemas.microsoft.com/office/drawing/2010/main" w="9525">
                     <a:solidFill>
                       <a:srgbClr val="000000"/>
                     </a:solidFill>
@@ -14390,7 +14391,7 @@
               </a:ln>
               <a:extLst>
                 <a:ext uri="{91240B29-F687-4f45-9708-019B960494DF}">
-                  <a14:hiddenLine xmlns:a14="http://schemas.microsoft.com/office/drawing/2010/main" xmlns="" w="9525">
+                  <a14:hiddenLine xmlns="" xmlns:a14="http://schemas.microsoft.com/office/drawing/2010/main" w="9525">
                     <a:solidFill>
                       <a:srgbClr val="000000"/>
                     </a:solidFill>
@@ -14452,7 +14453,7 @@
               </a:ln>
               <a:extLst>
                 <a:ext uri="{91240B29-F687-4f45-9708-019B960494DF}">
-                  <a14:hiddenLine xmlns:a14="http://schemas.microsoft.com/office/drawing/2010/main" xmlns="" w="9525">
+                  <a14:hiddenLine xmlns="" xmlns:a14="http://schemas.microsoft.com/office/drawing/2010/main" w="9525">
                     <a:solidFill>
                       <a:srgbClr val="000000"/>
                     </a:solidFill>
@@ -14542,7 +14543,7 @@
               </a:ln>
               <a:extLst>
                 <a:ext uri="{91240B29-F687-4f45-9708-019B960494DF}">
-                  <a14:hiddenLine xmlns:a14="http://schemas.microsoft.com/office/drawing/2010/main" xmlns="" w="9525">
+                  <a14:hiddenLine xmlns="" xmlns:a14="http://schemas.microsoft.com/office/drawing/2010/main" w="9525">
                     <a:solidFill>
                       <a:srgbClr val="000000"/>
                     </a:solidFill>
@@ -14576,7 +14577,7 @@
               </a:ln>
               <a:extLst>
                 <a:ext uri="{91240B29-F687-4f45-9708-019B960494DF}">
-                  <a14:hiddenLine xmlns:a14="http://schemas.microsoft.com/office/drawing/2010/main" xmlns="" w="9525">
+                  <a14:hiddenLine xmlns="" xmlns:a14="http://schemas.microsoft.com/office/drawing/2010/main" w="9525">
                     <a:solidFill>
                       <a:srgbClr val="000000"/>
                     </a:solidFill>
@@ -14641,7 +14642,7 @@
               </a:ln>
               <a:extLst>
                 <a:ext uri="{91240B29-F687-4f45-9708-019B960494DF}">
-                  <a14:hiddenLine xmlns:a14="http://schemas.microsoft.com/office/drawing/2010/main" xmlns="" w="9525">
+                  <a14:hiddenLine xmlns="" xmlns:a14="http://schemas.microsoft.com/office/drawing/2010/main" w="9525">
                     <a:solidFill>
                       <a:srgbClr val="000000"/>
                     </a:solidFill>
@@ -14731,7 +14732,7 @@
               </a:ln>
               <a:extLst>
                 <a:ext uri="{91240B29-F687-4f45-9708-019B960494DF}">
-                  <a14:hiddenLine xmlns:a14="http://schemas.microsoft.com/office/drawing/2010/main" xmlns="" w="9525">
+                  <a14:hiddenLine xmlns="" xmlns:a14="http://schemas.microsoft.com/office/drawing/2010/main" w="9525">
                     <a:solidFill>
                       <a:srgbClr val="000000"/>
                     </a:solidFill>
@@ -14793,7 +14794,7 @@
               </a:ln>
               <a:extLst>
                 <a:ext uri="{91240B29-F687-4f45-9708-019B960494DF}">
-                  <a14:hiddenLine xmlns:a14="http://schemas.microsoft.com/office/drawing/2010/main" xmlns="" w="9525">
+                  <a14:hiddenLine xmlns="" xmlns:a14="http://schemas.microsoft.com/office/drawing/2010/main" w="9525">
                     <a:solidFill>
                       <a:srgbClr val="000000"/>
                     </a:solidFill>
@@ -14883,7 +14884,7 @@
               </a:ln>
               <a:extLst>
                 <a:ext uri="{91240B29-F687-4f45-9708-019B960494DF}">
-                  <a14:hiddenLine xmlns:a14="http://schemas.microsoft.com/office/drawing/2010/main" xmlns="" w="9525">
+                  <a14:hiddenLine xmlns="" xmlns:a14="http://schemas.microsoft.com/office/drawing/2010/main" w="9525">
                     <a:solidFill>
                       <a:srgbClr val="000000"/>
                     </a:solidFill>
@@ -14948,7 +14949,7 @@
               </a:ln>
               <a:extLst>
                 <a:ext uri="{91240B29-F687-4f45-9708-019B960494DF}">
-                  <a14:hiddenLine xmlns:a14="http://schemas.microsoft.com/office/drawing/2010/main" xmlns="" w="9525">
+                  <a14:hiddenLine xmlns="" xmlns:a14="http://schemas.microsoft.com/office/drawing/2010/main" w="9525">
                     <a:solidFill>
                       <a:srgbClr val="000000"/>
                     </a:solidFill>
@@ -15010,7 +15011,7 @@
               </a:ln>
               <a:extLst>
                 <a:ext uri="{91240B29-F687-4f45-9708-019B960494DF}">
-                  <a14:hiddenLine xmlns:a14="http://schemas.microsoft.com/office/drawing/2010/main" xmlns="" w="9525">
+                  <a14:hiddenLine xmlns="" xmlns:a14="http://schemas.microsoft.com/office/drawing/2010/main" w="9525">
                     <a:solidFill>
                       <a:srgbClr val="000000"/>
                     </a:solidFill>
@@ -15100,7 +15101,7 @@
               </a:ln>
               <a:extLst>
                 <a:ext uri="{91240B29-F687-4f45-9708-019B960494DF}">
-                  <a14:hiddenLine xmlns:a14="http://schemas.microsoft.com/office/drawing/2010/main" xmlns="" w="9525">
+                  <a14:hiddenLine xmlns="" xmlns:a14="http://schemas.microsoft.com/office/drawing/2010/main" w="9525">
                     <a:solidFill>
                       <a:srgbClr val="000000"/>
                     </a:solidFill>
@@ -15190,7 +15191,7 @@
               </a:ln>
               <a:extLst>
                 <a:ext uri="{91240B29-F687-4f45-9708-019B960494DF}">
-                  <a14:hiddenLine xmlns:a14="http://schemas.microsoft.com/office/drawing/2010/main" xmlns="" w="9525">
+                  <a14:hiddenLine xmlns="" xmlns:a14="http://schemas.microsoft.com/office/drawing/2010/main" w="9525">
                     <a:solidFill>
                       <a:srgbClr val="000000"/>
                     </a:solidFill>
@@ -15255,7 +15256,7 @@
               </a:ln>
               <a:extLst>
                 <a:ext uri="{91240B29-F687-4f45-9708-019B960494DF}">
-                  <a14:hiddenLine xmlns:a14="http://schemas.microsoft.com/office/drawing/2010/main" xmlns="" w="9525">
+                  <a14:hiddenLine xmlns="" xmlns:a14="http://schemas.microsoft.com/office/drawing/2010/main" w="9525">
                     <a:solidFill>
                       <a:srgbClr val="000000"/>
                     </a:solidFill>
@@ -15375,7 +15376,7 @@
               </a:ln>
               <a:extLst>
                 <a:ext uri="{91240B29-F687-4f45-9708-019B960494DF}">
-                  <a14:hiddenLine xmlns:a14="http://schemas.microsoft.com/office/drawing/2010/main" xmlns="" w="9525">
+                  <a14:hiddenLine xmlns="" xmlns:a14="http://schemas.microsoft.com/office/drawing/2010/main" w="9525">
                     <a:solidFill>
                       <a:srgbClr val="000000"/>
                     </a:solidFill>
@@ -15456,7 +15457,7 @@
               </a:ln>
               <a:extLst>
                 <a:ext uri="{91240B29-F687-4f45-9708-019B960494DF}">
-                  <a14:hiddenLine xmlns:a14="http://schemas.microsoft.com/office/drawing/2010/main" xmlns="" w="9525">
+                  <a14:hiddenLine xmlns="" xmlns:a14="http://schemas.microsoft.com/office/drawing/2010/main" w="9525">
                     <a:solidFill>
                       <a:srgbClr val="000000"/>
                     </a:solidFill>
@@ -15571,7 +15572,7 @@
               </a:ln>
               <a:extLst>
                 <a:ext uri="{91240B29-F687-4f45-9708-019B960494DF}">
-                  <a14:hiddenLine xmlns:a14="http://schemas.microsoft.com/office/drawing/2010/main" xmlns="" w="9525">
+                  <a14:hiddenLine xmlns="" xmlns:a14="http://schemas.microsoft.com/office/drawing/2010/main" w="9525">
                     <a:solidFill>
                       <a:srgbClr val="000000"/>
                     </a:solidFill>
@@ -15661,7 +15662,7 @@
               </a:ln>
               <a:extLst>
                 <a:ext uri="{91240B29-F687-4f45-9708-019B960494DF}">
-                  <a14:hiddenLine xmlns:a14="http://schemas.microsoft.com/office/drawing/2010/main" xmlns="" w="9525">
+                  <a14:hiddenLine xmlns="" xmlns:a14="http://schemas.microsoft.com/office/drawing/2010/main" w="9525">
                     <a:solidFill>
                       <a:srgbClr val="000000"/>
                     </a:solidFill>
@@ -15726,7 +15727,7 @@
               </a:ln>
               <a:extLst>
                 <a:ext uri="{91240B29-F687-4f45-9708-019B960494DF}">
-                  <a14:hiddenLine xmlns:a14="http://schemas.microsoft.com/office/drawing/2010/main" xmlns="" w="9525">
+                  <a14:hiddenLine xmlns="" xmlns:a14="http://schemas.microsoft.com/office/drawing/2010/main" w="9525">
                     <a:solidFill>
                       <a:srgbClr val="000000"/>
                     </a:solidFill>
@@ -15816,7 +15817,7 @@
               </a:ln>
               <a:extLst>
                 <a:ext uri="{91240B29-F687-4f45-9708-019B960494DF}">
-                  <a14:hiddenLine xmlns:a14="http://schemas.microsoft.com/office/drawing/2010/main" xmlns="" w="9525">
+                  <a14:hiddenLine xmlns="" xmlns:a14="http://schemas.microsoft.com/office/drawing/2010/main" w="9525">
                     <a:solidFill>
                       <a:srgbClr val="000000"/>
                     </a:solidFill>
@@ -15884,7 +15885,7 @@
               </a:ln>
               <a:extLst>
                 <a:ext uri="{91240B29-F687-4f45-9708-019B960494DF}">
-                  <a14:hiddenLine xmlns:a14="http://schemas.microsoft.com/office/drawing/2010/main" xmlns="" w="9525">
+                  <a14:hiddenLine xmlns="" xmlns:a14="http://schemas.microsoft.com/office/drawing/2010/main" w="9525">
                     <a:solidFill>
                       <a:srgbClr val="000000"/>
                     </a:solidFill>
@@ -15974,7 +15975,7 @@
               </a:ln>
               <a:extLst>
                 <a:ext uri="{91240B29-F687-4f45-9708-019B960494DF}">
-                  <a14:hiddenLine xmlns:a14="http://schemas.microsoft.com/office/drawing/2010/main" xmlns="" w="9525">
+                  <a14:hiddenLine xmlns="" xmlns:a14="http://schemas.microsoft.com/office/drawing/2010/main" w="9525">
                     <a:solidFill>
                       <a:srgbClr val="000000"/>
                     </a:solidFill>
@@ -16042,7 +16043,7 @@
               </a:ln>
               <a:extLst>
                 <a:ext uri="{91240B29-F687-4f45-9708-019B960494DF}">
-                  <a14:hiddenLine xmlns:a14="http://schemas.microsoft.com/office/drawing/2010/main" xmlns="" w="9525">
+                  <a14:hiddenLine xmlns="" xmlns:a14="http://schemas.microsoft.com/office/drawing/2010/main" w="9525">
                     <a:solidFill>
                       <a:srgbClr val="000000"/>
                     </a:solidFill>
@@ -16132,7 +16133,7 @@
               </a:ln>
               <a:extLst>
                 <a:ext uri="{91240B29-F687-4f45-9708-019B960494DF}">
-                  <a14:hiddenLine xmlns:a14="http://schemas.microsoft.com/office/drawing/2010/main" xmlns="" w="9525">
+                  <a14:hiddenLine xmlns="" xmlns:a14="http://schemas.microsoft.com/office/drawing/2010/main" w="9525">
                     <a:solidFill>
                       <a:srgbClr val="000000"/>
                     </a:solidFill>
@@ -16166,7 +16167,7 @@
               </a:ln>
               <a:extLst>
                 <a:ext uri="{91240B29-F687-4f45-9708-019B960494DF}">
-                  <a14:hiddenLine xmlns:a14="http://schemas.microsoft.com/office/drawing/2010/main" xmlns="" w="9525">
+                  <a14:hiddenLine xmlns="" xmlns:a14="http://schemas.microsoft.com/office/drawing/2010/main" w="9525">
                     <a:solidFill>
                       <a:srgbClr val="000000"/>
                     </a:solidFill>
@@ -16307,7 +16308,7 @@
             <a:pPr rtl="0"/>
             <a:fld id="{CD282D03-1B0F-4808-A039-91C9E6CB118E}" type="datetime1">
               <a:rPr lang="fr-FR" noProof="0" smtClean="0"/>
-              <a:t>17/05/2021</a:t>
+              <a:t>19/05/2021</a:t>
             </a:fld>
             <a:endParaRPr lang="fr-FR" noProof="0" dirty="0"/>
           </a:p>
@@ -17520,7 +17521,7 @@
         <p:spPr>
           <a:xfrm>
             <a:off x="924187" y="1794681"/>
-            <a:ext cx="10343626" cy="4468482"/>
+            <a:ext cx="10343626" cy="4747208"/>
           </a:xfrm>
         </p:spPr>
         <p:txBody>
@@ -18213,7 +18214,7 @@
             </a:r>
             <a:r>
               <a:rPr lang="fr-FR" sz="3200" dirty="0"/>
-              <a:t> </a:t>
+              <a:t> potentiellement </a:t>
             </a:r>
             <a:r>
               <a:rPr lang="fr-FR" sz="3200" dirty="0" err="1"/>
@@ -18331,6 +18332,172 @@
   </p:cSld>
   <p:clrMapOvr>
     <a:masterClrMapping/>
+  </p:clrMapOvr>
+</p:sld>
+</file>
+
+<file path=ppt/slides/slide15.xml><?xml version="1.0" encoding="utf-8"?>
+<p:sld xmlns:a="http://schemas.openxmlformats.org/drawingml/2006/main" xmlns:r="http://schemas.openxmlformats.org/officeDocument/2006/relationships" xmlns:p="http://schemas.openxmlformats.org/presentationml/2006/main">
+  <p:cSld>
+    <p:bg>
+      <p:bgRef idx="1003">
+        <a:schemeClr val="bg2"/>
+      </p:bgRef>
+    </p:bg>
+    <p:spTree>
+      <p:nvGrpSpPr>
+        <p:cNvPr id="1" name=""/>
+        <p:cNvGrpSpPr/>
+        <p:nvPr/>
+      </p:nvGrpSpPr>
+      <p:grpSpPr>
+        <a:xfrm>
+          <a:off x="0" y="0"/>
+          <a:ext cx="0" cy="0"/>
+          <a:chOff x="0" y="0"/>
+          <a:chExt cx="0" cy="0"/>
+        </a:xfrm>
+      </p:grpSpPr>
+      <p:sp>
+        <p:nvSpPr>
+          <p:cNvPr id="2" name="Titre 1">
+            <a:extLst>
+              <a:ext uri="{FF2B5EF4-FFF2-40B4-BE49-F238E27FC236}">
+                <a16:creationId xmlns:a16="http://schemas.microsoft.com/office/drawing/2014/main" id="{6EBF4309-7DC0-4B58-88D7-21E31449BA21}"/>
+              </a:ext>
+            </a:extLst>
+          </p:cNvPr>
+          <p:cNvSpPr>
+            <a:spLocks noGrp="1"/>
+          </p:cNvSpPr>
+          <p:nvPr>
+            <p:ph type="title"/>
+          </p:nvPr>
+        </p:nvSpPr>
+        <p:spPr>
+          <a:xfrm>
+            <a:off x="1418249" y="138578"/>
+            <a:ext cx="9905998" cy="1478570"/>
+          </a:xfrm>
+        </p:spPr>
+        <p:txBody>
+          <a:bodyPr>
+            <a:normAutofit/>
+          </a:bodyPr>
+          <a:lstStyle/>
+          <a:p>
+            <a:r>
+              <a:rPr lang="fr-FR" sz="3200" b="0" i="0" dirty="0">
+                <a:effectLst/>
+                <a:latin typeface="Roboto" panose="02000000000000000000" pitchFamily="2" charset="0"/>
+              </a:rPr>
+              <a:t>Mise en place d’un WAF</a:t>
+            </a:r>
+            <a:br>
+              <a:rPr lang="fr-FR" sz="1600" b="0" i="0" dirty="0">
+                <a:effectLst/>
+                <a:latin typeface="Roboto" panose="02000000000000000000" pitchFamily="2" charset="0"/>
+              </a:rPr>
+            </a:br>
+            <a:endParaRPr lang="fr-FR" sz="3200" dirty="0"/>
+          </a:p>
+        </p:txBody>
+      </p:sp>
+      <p:pic>
+        <p:nvPicPr>
+          <p:cNvPr id="6" name="Espace réservé du contenu 5">
+            <a:extLst>
+              <a:ext uri="{FF2B5EF4-FFF2-40B4-BE49-F238E27FC236}">
+                <a16:creationId xmlns:a16="http://schemas.microsoft.com/office/drawing/2014/main" id="{6E382FCC-076D-40B1-A1CD-0F01D474CED6}"/>
+              </a:ext>
+            </a:extLst>
+          </p:cNvPr>
+          <p:cNvPicPr>
+            <a:picLocks noGrp="1" noChangeAspect="1"/>
+          </p:cNvPicPr>
+          <p:nvPr>
+            <p:ph idx="1"/>
+          </p:nvPr>
+        </p:nvPicPr>
+        <p:blipFill>
+          <a:blip r:embed="rId3"/>
+          <a:stretch>
+            <a:fillRect/>
+          </a:stretch>
+        </p:blipFill>
+        <p:spPr>
+          <a:xfrm>
+            <a:off x="6516194" y="1099956"/>
+            <a:ext cx="4538333" cy="3541712"/>
+          </a:xfrm>
+        </p:spPr>
+      </p:pic>
+      <p:sp>
+        <p:nvSpPr>
+          <p:cNvPr id="7" name="ZoneTexte 6">
+            <a:extLst>
+              <a:ext uri="{FF2B5EF4-FFF2-40B4-BE49-F238E27FC236}">
+                <a16:creationId xmlns:a16="http://schemas.microsoft.com/office/drawing/2014/main" id="{F390B1E6-F983-467C-8872-9F3BDD6DF71D}"/>
+              </a:ext>
+            </a:extLst>
+          </p:cNvPr>
+          <p:cNvSpPr txBox="1"/>
+          <p:nvPr/>
+        </p:nvSpPr>
+        <p:spPr>
+          <a:xfrm>
+            <a:off x="1418249" y="1689463"/>
+            <a:ext cx="4616791" cy="1754326"/>
+          </a:xfrm>
+          <a:prstGeom prst="rect">
+            <a:avLst/>
+          </a:prstGeom>
+          <a:noFill/>
+        </p:spPr>
+        <p:txBody>
+          <a:bodyPr wrap="square" rtlCol="0">
+            <a:spAutoFit/>
+          </a:bodyPr>
+          <a:lstStyle/>
+          <a:p>
+            <a:r>
+              <a:rPr lang="fr-FR" dirty="0"/>
+              <a:t>L’objectif étant de sécuriser les </a:t>
+            </a:r>
+            <a:r>
+              <a:rPr lang="fr-FR" dirty="0" err="1"/>
+              <a:t>requetes</a:t>
+            </a:r>
+            <a:r>
+              <a:rPr lang="fr-FR" dirty="0"/>
+              <a:t> qui attaquent directement le serveur </a:t>
+            </a:r>
+            <a:r>
+              <a:rPr lang="fr-FR" dirty="0" err="1"/>
+              <a:t>couchDB</a:t>
+            </a:r>
+            <a:endParaRPr lang="fr-FR" dirty="0"/>
+          </a:p>
+          <a:p>
+            <a:endParaRPr lang="fr-FR" dirty="0"/>
+          </a:p>
+          <a:p>
+            <a:r>
+              <a:rPr lang="fr-FR" dirty="0"/>
+              <a:t>Pour garantir qu’il n’y a d’instruction permise qui attaquent directement le serveur BDD + gestion des logs pour suivre les requêtes utilisateurs</a:t>
+            </a:r>
+          </a:p>
+        </p:txBody>
+      </p:sp>
+    </p:spTree>
+    <p:extLst>
+      <p:ext uri="{BB962C8B-B14F-4D97-AF65-F5344CB8AC3E}">
+        <p14:creationId xmlns:p14="http://schemas.microsoft.com/office/powerpoint/2010/main" val="2886493898"/>
+      </p:ext>
+    </p:extLst>
+  </p:cSld>
+  <p:clrMapOvr>
+    <a:overrideClrMapping bg1="dk1" tx1="lt1" bg2="dk2" tx2="lt2" accent1="accent1" accent2="accent2" accent3="accent3" accent4="accent4" accent5="accent5" accent6="accent6" hlink="hlink" folHlink="folHlink"/>
   </p:clrMapOvr>
 </p:sld>
 </file>
@@ -19226,7 +19393,7 @@
             </a:pPr>
             <a:r>
               <a:rPr lang="fr-FR" sz="2400" dirty="0"/>
-              <a:t>Mettre en place un proxy server entre l’applicatif, et le serveur de données </a:t>
+              <a:t>Mettre en place un proxy server ou WAF entre l’applicatif, et le serveur de données </a:t>
             </a:r>
             <a:r>
               <a:rPr lang="fr-FR" sz="2400" dirty="0" err="1"/>
@@ -19321,7 +19488,7 @@
             <p:ph idx="1"/>
             <p:extLst>
               <p:ext uri="{D42A27DB-BD31-4B8C-83A1-F6EECF244321}">
-                <p14:modId xmlns:p14="http://schemas.microsoft.com/office/powerpoint/2010/main" val="752513984"/>
+                <p14:modId xmlns:p14="http://schemas.microsoft.com/office/powerpoint/2010/main" val="974902993"/>
               </p:ext>
             </p:extLst>
           </p:nvPr>
@@ -20655,4 +20822,47 @@
     </a:ext>
   </a:extLst>
 </a:theme>
+</file>
+
+<file path=ppt/theme/themeOverride1.xml><?xml version="1.0" encoding="utf-8"?>
+<a:themeOverride xmlns:a="http://schemas.openxmlformats.org/drawingml/2006/main">
+  <a:clrScheme name="Blue II">
+    <a:dk1>
+      <a:sysClr val="windowText" lastClr="000000"/>
+    </a:dk1>
+    <a:lt1>
+      <a:sysClr val="window" lastClr="FFFFFF"/>
+    </a:lt1>
+    <a:dk2>
+      <a:srgbClr val="335B74"/>
+    </a:dk2>
+    <a:lt2>
+      <a:srgbClr val="DFE3E5"/>
+    </a:lt2>
+    <a:accent1>
+      <a:srgbClr val="1CADE4"/>
+    </a:accent1>
+    <a:accent2>
+      <a:srgbClr val="2683C6"/>
+    </a:accent2>
+    <a:accent3>
+      <a:srgbClr val="27CED7"/>
+    </a:accent3>
+    <a:accent4>
+      <a:srgbClr val="42BA97"/>
+    </a:accent4>
+    <a:accent5>
+      <a:srgbClr val="3E8853"/>
+    </a:accent5>
+    <a:accent6>
+      <a:srgbClr val="62A39F"/>
+    </a:accent6>
+    <a:hlink>
+      <a:srgbClr val="6EAC1C"/>
+    </a:hlink>
+    <a:folHlink>
+      <a:srgbClr val="B26B02"/>
+    </a:folHlink>
+  </a:clrScheme>
+</a:themeOverride>
 </file>